--- a/ULI101-2.2.pptx
+++ b/ULI101-2.2.pptx
@@ -131,9 +131,143 @@
 <file path=ppt/revisionInfo.xml><?xml version="1.0" encoding="utf-8"?>
 <p1510:revInfo xmlns:a="http://schemas.openxmlformats.org/drawingml/2006/main" xmlns:r="http://schemas.openxmlformats.org/officeDocument/2006/relationships" xmlns:p1510="http://schemas.microsoft.com/office/powerpoint/2015/10/main">
   <p1510:revLst>
-    <p1510:client id="{BFC46881-47AC-8C47-94FE-0C6D5E6F50E2}" v="110" dt="2022-01-09T18:54:44.641"/>
+    <p1510:client id="{82A731B1-75EE-D744-A7AF-9E32466CCE78}" v="86" dt="2022-09-10T18:44:22.846"/>
   </p1510:revLst>
 </p1510:revInfo>
+</file>
+
+<file path=ppt/changesInfos/changesInfo1.xml><?xml version="1.0" encoding="utf-8"?>
+<pc:chgInfo xmlns:a="http://schemas.openxmlformats.org/drawingml/2006/main" xmlns:r="http://schemas.openxmlformats.org/officeDocument/2006/relationships" xmlns:ac="http://schemas.microsoft.com/office/drawing/2013/main/command" xmlns:pc="http://schemas.microsoft.com/office/powerpoint/2013/main/command">
+  <pc:docChgLst>
+    <pc:chgData name="Chris Johnson" userId="ff589efc-7bdb-4c2a-ab65-6fce12576f74" providerId="ADAL" clId="{82A731B1-75EE-D744-A7AF-9E32466CCE78}"/>
+    <pc:docChg chg="modSld">
+      <pc:chgData name="Chris Johnson" userId="ff589efc-7bdb-4c2a-ab65-6fce12576f74" providerId="ADAL" clId="{82A731B1-75EE-D744-A7AF-9E32466CCE78}" dt="2022-09-10T18:44:22.846" v="86" actId="20577"/>
+      <pc:docMkLst>
+        <pc:docMk/>
+      </pc:docMkLst>
+      <pc:sldChg chg="modSp mod">
+        <pc:chgData name="Chris Johnson" userId="ff589efc-7bdb-4c2a-ab65-6fce12576f74" providerId="ADAL" clId="{82A731B1-75EE-D744-A7AF-9E32466CCE78}" dt="2022-09-10T18:25:00.881" v="0" actId="20577"/>
+        <pc:sldMkLst>
+          <pc:docMk/>
+          <pc:sldMk cId="3343982343" sldId="256"/>
+        </pc:sldMkLst>
+        <pc:spChg chg="mod">
+          <ac:chgData name="Chris Johnson" userId="ff589efc-7bdb-4c2a-ab65-6fce12576f74" providerId="ADAL" clId="{82A731B1-75EE-D744-A7AF-9E32466CCE78}" dt="2022-09-10T18:25:00.881" v="0" actId="20577"/>
+          <ac:spMkLst>
+            <pc:docMk/>
+            <pc:sldMk cId="3343982343" sldId="256"/>
+            <ac:spMk id="2" creationId="{1AF487AF-3253-5F42-B599-57667778EABD}"/>
+          </ac:spMkLst>
+        </pc:spChg>
+      </pc:sldChg>
+      <pc:sldChg chg="modSp">
+        <pc:chgData name="Chris Johnson" userId="ff589efc-7bdb-4c2a-ab65-6fce12576f74" providerId="ADAL" clId="{82A731B1-75EE-D744-A7AF-9E32466CCE78}" dt="2022-09-10T18:25:27.721" v="49" actId="6549"/>
+        <pc:sldMkLst>
+          <pc:docMk/>
+          <pc:sldMk cId="896036711" sldId="261"/>
+        </pc:sldMkLst>
+        <pc:spChg chg="mod">
+          <ac:chgData name="Chris Johnson" userId="ff589efc-7bdb-4c2a-ab65-6fce12576f74" providerId="ADAL" clId="{82A731B1-75EE-D744-A7AF-9E32466CCE78}" dt="2022-09-10T18:25:27.721" v="49" actId="6549"/>
+          <ac:spMkLst>
+            <pc:docMk/>
+            <pc:sldMk cId="896036711" sldId="261"/>
+            <ac:spMk id="3" creationId="{99DF4C7A-3854-7B4B-8D4F-4AD959A565DC}"/>
+          </ac:spMkLst>
+        </pc:spChg>
+      </pc:sldChg>
+      <pc:sldChg chg="modSp">
+        <pc:chgData name="Chris Johnson" userId="ff589efc-7bdb-4c2a-ab65-6fce12576f74" providerId="ADAL" clId="{82A731B1-75EE-D744-A7AF-9E32466CCE78}" dt="2022-09-10T18:25:11.360" v="12" actId="6549"/>
+        <pc:sldMkLst>
+          <pc:docMk/>
+          <pc:sldMk cId="1939109305" sldId="302"/>
+        </pc:sldMkLst>
+        <pc:spChg chg="mod">
+          <ac:chgData name="Chris Johnson" userId="ff589efc-7bdb-4c2a-ab65-6fce12576f74" providerId="ADAL" clId="{82A731B1-75EE-D744-A7AF-9E32466CCE78}" dt="2022-09-10T18:25:11.360" v="12" actId="6549"/>
+          <ac:spMkLst>
+            <pc:docMk/>
+            <pc:sldMk cId="1939109305" sldId="302"/>
+            <ac:spMk id="3" creationId="{99DF4C7A-3854-7B4B-8D4F-4AD959A565DC}"/>
+          </ac:spMkLst>
+        </pc:spChg>
+      </pc:sldChg>
+      <pc:sldChg chg="modSp modAnim">
+        <pc:chgData name="Chris Johnson" userId="ff589efc-7bdb-4c2a-ab65-6fce12576f74" providerId="ADAL" clId="{82A731B1-75EE-D744-A7AF-9E32466CCE78}" dt="2022-09-10T18:43:24.880" v="85" actId="20577"/>
+        <pc:sldMkLst>
+          <pc:docMk/>
+          <pc:sldMk cId="3238403926" sldId="322"/>
+        </pc:sldMkLst>
+        <pc:spChg chg="mod">
+          <ac:chgData name="Chris Johnson" userId="ff589efc-7bdb-4c2a-ab65-6fce12576f74" providerId="ADAL" clId="{82A731B1-75EE-D744-A7AF-9E32466CCE78}" dt="2022-09-10T18:43:24.880" v="85" actId="20577"/>
+          <ac:spMkLst>
+            <pc:docMk/>
+            <pc:sldMk cId="3238403926" sldId="322"/>
+            <ac:spMk id="3" creationId="{99DF4C7A-3854-7B4B-8D4F-4AD959A565DC}"/>
+          </ac:spMkLst>
+        </pc:spChg>
+      </pc:sldChg>
+      <pc:sldChg chg="modSp">
+        <pc:chgData name="Chris Johnson" userId="ff589efc-7bdb-4c2a-ab65-6fce12576f74" providerId="ADAL" clId="{82A731B1-75EE-D744-A7AF-9E32466CCE78}" dt="2022-09-10T18:25:18.001" v="30" actId="6549"/>
+        <pc:sldMkLst>
+          <pc:docMk/>
+          <pc:sldMk cId="2075726154" sldId="323"/>
+        </pc:sldMkLst>
+        <pc:spChg chg="mod">
+          <ac:chgData name="Chris Johnson" userId="ff589efc-7bdb-4c2a-ab65-6fce12576f74" providerId="ADAL" clId="{82A731B1-75EE-D744-A7AF-9E32466CCE78}" dt="2022-09-10T18:25:18.001" v="30" actId="6549"/>
+          <ac:spMkLst>
+            <pc:docMk/>
+            <pc:sldMk cId="2075726154" sldId="323"/>
+            <ac:spMk id="3" creationId="{99DF4C7A-3854-7B4B-8D4F-4AD959A565DC}"/>
+          </ac:spMkLst>
+        </pc:spChg>
+      </pc:sldChg>
+      <pc:sldChg chg="modSp">
+        <pc:chgData name="Chris Johnson" userId="ff589efc-7bdb-4c2a-ab65-6fce12576f74" providerId="ADAL" clId="{82A731B1-75EE-D744-A7AF-9E32466CCE78}" dt="2022-09-10T18:25:22.340" v="42" actId="6549"/>
+        <pc:sldMkLst>
+          <pc:docMk/>
+          <pc:sldMk cId="4094791069" sldId="324"/>
+        </pc:sldMkLst>
+        <pc:spChg chg="mod">
+          <ac:chgData name="Chris Johnson" userId="ff589efc-7bdb-4c2a-ab65-6fce12576f74" providerId="ADAL" clId="{82A731B1-75EE-D744-A7AF-9E32466CCE78}" dt="2022-09-10T18:25:22.340" v="42" actId="6549"/>
+          <ac:spMkLst>
+            <pc:docMk/>
+            <pc:sldMk cId="4094791069" sldId="324"/>
+            <ac:spMk id="3" creationId="{99DF4C7A-3854-7B4B-8D4F-4AD959A565DC}"/>
+          </ac:spMkLst>
+        </pc:spChg>
+      </pc:sldChg>
+      <pc:sldChg chg="modSp">
+        <pc:chgData name="Chris Johnson" userId="ff589efc-7bdb-4c2a-ab65-6fce12576f74" providerId="ADAL" clId="{82A731B1-75EE-D744-A7AF-9E32466CCE78}" dt="2022-09-10T18:44:22.846" v="86" actId="20577"/>
+        <pc:sldMkLst>
+          <pc:docMk/>
+          <pc:sldMk cId="778720162" sldId="328"/>
+        </pc:sldMkLst>
+        <pc:spChg chg="mod">
+          <ac:chgData name="Chris Johnson" userId="ff589efc-7bdb-4c2a-ab65-6fce12576f74" providerId="ADAL" clId="{82A731B1-75EE-D744-A7AF-9E32466CCE78}" dt="2022-09-10T18:44:22.846" v="86" actId="20577"/>
+          <ac:spMkLst>
+            <pc:docMk/>
+            <pc:sldMk cId="778720162" sldId="328"/>
+            <ac:spMk id="3" creationId="{99DF4C7A-3854-7B4B-8D4F-4AD959A565DC}"/>
+          </ac:spMkLst>
+        </pc:spChg>
+      </pc:sldChg>
+      <pc:sldChg chg="modSp">
+        <pc:chgData name="Chris Johnson" userId="ff589efc-7bdb-4c2a-ab65-6fce12576f74" providerId="ADAL" clId="{82A731B1-75EE-D744-A7AF-9E32466CCE78}" dt="2022-09-10T18:25:38.983" v="65" actId="6549"/>
+        <pc:sldMkLst>
+          <pc:docMk/>
+          <pc:sldMk cId="123030364" sldId="330"/>
+        </pc:sldMkLst>
+        <pc:spChg chg="mod">
+          <ac:chgData name="Chris Johnson" userId="ff589efc-7bdb-4c2a-ab65-6fce12576f74" providerId="ADAL" clId="{82A731B1-75EE-D744-A7AF-9E32466CCE78}" dt="2022-09-10T18:25:38.983" v="65" actId="6549"/>
+          <ac:spMkLst>
+            <pc:docMk/>
+            <pc:sldMk cId="123030364" sldId="330"/>
+            <ac:spMk id="3" creationId="{99DF4C7A-3854-7B4B-8D4F-4AD959A565DC}"/>
+          </ac:spMkLst>
+        </pc:spChg>
+      </pc:sldChg>
+    </pc:docChg>
+  </pc:docChgLst>
+</pc:chgInfo>
 </file>
 
 <file path=ppt/notesMasters/notesMaster1.xml><?xml version="1.0" encoding="utf-8"?>
@@ -218,7 +352,7 @@
           <a:p>
             <a:fld id="{92107E4A-59D9-C648-BC62-133DA4EC414F}" type="datetimeFigureOut">
               <a:rPr lang="en-US" smtClean="0"/>
-              <a:t>4/29/2022</a:t>
+              <a:t>9/10/22</a:t>
             </a:fld>
             <a:endParaRPr lang="en-US"/>
           </a:p>
@@ -624,7 +758,7 @@
           <a:p>
             <a:fld id="{4AB1357F-A277-7442-BEE7-4FE250216E54}" type="datetimeFigureOut">
               <a:rPr lang="en-US" smtClean="0"/>
-              <a:t>4/29/2022</a:t>
+              <a:t>9/10/22</a:t>
             </a:fld>
             <a:endParaRPr lang="en-US"/>
           </a:p>
@@ -835,7 +969,7 @@
           <a:p>
             <a:fld id="{4AB1357F-A277-7442-BEE7-4FE250216E54}" type="datetimeFigureOut">
               <a:rPr lang="en-US" smtClean="0"/>
-              <a:t>4/29/2022</a:t>
+              <a:t>9/10/22</a:t>
             </a:fld>
             <a:endParaRPr lang="en-US"/>
           </a:p>
@@ -1050,7 +1184,7 @@
           <a:p>
             <a:fld id="{4AB1357F-A277-7442-BEE7-4FE250216E54}" type="datetimeFigureOut">
               <a:rPr lang="en-US" smtClean="0"/>
-              <a:t>4/29/2022</a:t>
+              <a:t>9/10/22</a:t>
             </a:fld>
             <a:endParaRPr lang="en-US"/>
           </a:p>
@@ -1251,7 +1385,7 @@
           <a:p>
             <a:fld id="{4AB1357F-A277-7442-BEE7-4FE250216E54}" type="datetimeFigureOut">
               <a:rPr lang="en-US" smtClean="0"/>
-              <a:t>4/29/2022</a:t>
+              <a:t>9/10/22</a:t>
             </a:fld>
             <a:endParaRPr lang="en-US"/>
           </a:p>
@@ -1530,7 +1664,7 @@
           <a:p>
             <a:fld id="{4AB1357F-A277-7442-BEE7-4FE250216E54}" type="datetimeFigureOut">
               <a:rPr lang="en-US" smtClean="0"/>
-              <a:t>4/29/2022</a:t>
+              <a:t>9/10/22</a:t>
             </a:fld>
             <a:endParaRPr lang="en-US"/>
           </a:p>
@@ -1798,7 +1932,7 @@
           <a:p>
             <a:fld id="{4AB1357F-A277-7442-BEE7-4FE250216E54}" type="datetimeFigureOut">
               <a:rPr lang="en-US" smtClean="0"/>
-              <a:t>4/29/2022</a:t>
+              <a:t>9/10/22</a:t>
             </a:fld>
             <a:endParaRPr lang="en-US"/>
           </a:p>
@@ -2214,7 +2348,7 @@
           <a:p>
             <a:fld id="{4AB1357F-A277-7442-BEE7-4FE250216E54}" type="datetimeFigureOut">
               <a:rPr lang="en-US" smtClean="0"/>
-              <a:t>4/29/2022</a:t>
+              <a:t>9/10/22</a:t>
             </a:fld>
             <a:endParaRPr lang="en-US"/>
           </a:p>
@@ -2363,7 +2497,7 @@
           <a:p>
             <a:fld id="{4AB1357F-A277-7442-BEE7-4FE250216E54}" type="datetimeFigureOut">
               <a:rPr lang="en-US" smtClean="0"/>
-              <a:t>4/29/2022</a:t>
+              <a:t>9/10/22</a:t>
             </a:fld>
             <a:endParaRPr lang="en-US"/>
           </a:p>
@@ -2489,7 +2623,7 @@
           <a:p>
             <a:fld id="{4AB1357F-A277-7442-BEE7-4FE250216E54}" type="datetimeFigureOut">
               <a:rPr lang="en-US" smtClean="0"/>
-              <a:t>4/29/2022</a:t>
+              <a:t>9/10/22</a:t>
             </a:fld>
             <a:endParaRPr lang="en-US"/>
           </a:p>
@@ -2740,7 +2874,7 @@
           <a:p>
             <a:fld id="{4AB1357F-A277-7442-BEE7-4FE250216E54}" type="datetimeFigureOut">
               <a:rPr lang="en-US" smtClean="0"/>
-              <a:t>4/29/2022</a:t>
+              <a:t>9/10/22</a:t>
             </a:fld>
             <a:endParaRPr lang="en-US"/>
           </a:p>
@@ -3185,7 +3319,7 @@
           <a:p>
             <a:fld id="{4AB1357F-A277-7442-BEE7-4FE250216E54}" type="datetimeFigureOut">
               <a:rPr lang="en-US" smtClean="0"/>
-              <a:t>4/29/2022</a:t>
+              <a:t>9/10/22</a:t>
             </a:fld>
             <a:endParaRPr lang="en-US"/>
           </a:p>
@@ -3512,7 +3646,7 @@
           <a:p>
             <a:fld id="{4AB1357F-A277-7442-BEE7-4FE250216E54}" type="datetimeFigureOut">
               <a:rPr lang="en-US" smtClean="0"/>
-              <a:t>4/29/2022</a:t>
+              <a:t>9/10/22</a:t>
             </a:fld>
             <a:endParaRPr lang="en-US"/>
           </a:p>
@@ -4062,20 +4196,12 @@
               <a:rPr lang="en-US" sz="2400" dirty="0"/>
               <a:t>  ULI101:  Introduction to Unix / Linux and the Internet</a:t>
             </a:r>
-            <a:r>
-              <a:rPr lang="en-US" dirty="0"/>
-              <a:t/>
-            </a:r>
             <a:br>
               <a:rPr lang="en-US" dirty="0"/>
             </a:br>
             <a:r>
               <a:rPr lang="en-US" sz="1200" dirty="0"/>
               <a:t> </a:t>
-            </a:r>
-            <a:r>
-              <a:rPr lang="en-US" dirty="0"/>
-              <a:t/>
             </a:r>
             <a:br>
               <a:rPr lang="en-US" dirty="0"/>
@@ -4097,19 +4223,11 @@
                   <a:srgbClr val="0070C0"/>
                 </a:solidFill>
               </a:rPr>
-              <a:t>Week2:  lesson 2</a:t>
-            </a:r>
-            <a:r>
-              <a:rPr lang="en-US" sz="2200" dirty="0"/>
-              <a:t/>
+              <a:t>Week 2:  lesson 2</a:t>
             </a:r>
             <a:br>
               <a:rPr lang="en-US" sz="2200" dirty="0"/>
             </a:br>
-            <a:r>
-              <a:rPr lang="en-US" sz="2200" dirty="0"/>
-              <a:t/>
-            </a:r>
             <a:br>
               <a:rPr lang="en-US" sz="2200" dirty="0"/>
             </a:br>
@@ -4433,7 +4551,7 @@
           <a:blip r:embed="rId2">
             <a:extLst>
               <a:ext uri="{837473B0-CC2E-450A-ABE3-18F120FF3D39}">
-                <a1611:picAttrSrcUrl xmlns="" xmlns:a1611="http://schemas.microsoft.com/office/drawing/2016/11/main" r:id="rId3"/>
+                <a1611:picAttrSrcUrl xmlns:a1611="http://schemas.microsoft.com/office/drawing/2016/11/main" r:id="rId3"/>
               </a:ext>
             </a:extLst>
           </a:blip>
@@ -6118,10 +6236,6 @@
               <a:rPr lang="en-CA" sz="1600" b="1" dirty="0"/>
               <a:t>manipulate</a:t>
             </a:r>
-            <a:r>
-              <a:rPr lang="en-CA" sz="1600" dirty="0"/>
-              <a:t/>
-            </a:r>
             <a:br>
               <a:rPr lang="en-CA" sz="1600" dirty="0"/>
             </a:br>
@@ -6202,7 +6316,7 @@
           <a:blip r:embed="rId2">
             <a:extLst>
               <a:ext uri="{837473B0-CC2E-450A-ABE3-18F120FF3D39}">
-                <a1611:picAttrSrcUrl xmlns="" xmlns:a1611="http://schemas.microsoft.com/office/drawing/2016/11/main" r:id="rId3"/>
+                <a1611:picAttrSrcUrl xmlns:a1611="http://schemas.microsoft.com/office/drawing/2016/11/main" r:id="rId3"/>
               </a:ext>
             </a:extLst>
           </a:blip>
@@ -6238,7 +6352,7 @@
           <a:blip r:embed="rId4">
             <a:extLst>
               <a:ext uri="{837473B0-CC2E-450A-ABE3-18F120FF3D39}">
-                <a1611:picAttrSrcUrl xmlns="" xmlns:a1611="http://schemas.microsoft.com/office/drawing/2016/11/main" r:id="rId5"/>
+                <a1611:picAttrSrcUrl xmlns:a1611="http://schemas.microsoft.com/office/drawing/2016/11/main" r:id="rId5"/>
               </a:ext>
             </a:extLst>
           </a:blip>
@@ -6643,7 +6757,7 @@
           <a:lstStyle/>
           <a:p>
             <a:r>
-              <a:rPr lang="en-US" sz="2800" dirty="0" smtClean="0"/>
+              <a:rPr lang="en-US" sz="2800" dirty="0"/>
               <a:t>HOMEWORK</a:t>
             </a:r>
             <a:endParaRPr lang="en-US" sz="3000" dirty="0"/>
@@ -6692,30 +6806,14 @@
             </a:pPr>
             <a:r>
               <a:rPr lang="en-CA" dirty="0"/>
-              <a:t>P</a:t>
-            </a:r>
-            <a:r>
-              <a:rPr lang="en-CA" dirty="0" smtClean="0"/>
-              <a:t>erform </a:t>
-            </a:r>
-            <a:r>
-              <a:rPr lang="en-CA" dirty="0"/>
-              <a:t>the online tutorial </a:t>
-            </a:r>
-            <a:r>
-              <a:rPr lang="en-CA" b="1" dirty="0" smtClean="0"/>
-              <a:t>Tutorial2</a:t>
+              <a:t>Perform the online tutorial </a:t>
             </a:r>
             <a:r>
               <a:rPr lang="en-CA" b="1" dirty="0"/>
-              <a:t>: Unix / Linux File </a:t>
-            </a:r>
-            <a:r>
-              <a:rPr lang="en-CA" b="1" dirty="0" smtClean="0"/>
-              <a:t>Management</a:t>
+              <a:t>Tutorial2: Unix / Linux File Management</a:t>
             </a:r>
             <a:br>
-              <a:rPr lang="en-CA" b="1" dirty="0" smtClean="0"/>
+              <a:rPr lang="en-CA" b="1" dirty="0"/>
             </a:br>
             <a:r>
               <a:rPr lang="en-US" sz="1600" b="1" spc="-1" dirty="0">
@@ -6723,47 +6821,24 @@
                   <a:srgbClr val="000000"/>
                 </a:solidFill>
               </a:rPr>
-              <a:t>(Due: Friday Week </a:t>
-            </a:r>
-            <a:r>
-              <a:rPr lang="en-US" sz="1600" b="1" spc="-1" dirty="0" smtClean="0">
+              <a:t>(Due: Friday Week 3 @ midnight for a 2% </a:t>
+            </a:r>
+            <a:r>
+              <a:rPr lang="en-US" sz="1600" b="1" spc="-1">
                 <a:solidFill>
                   <a:srgbClr val="000000"/>
                 </a:solidFill>
               </a:rPr>
-              <a:t>3 </a:t>
-            </a:r>
-            <a:r>
-              <a:rPr lang="en-US" sz="1600" b="1" spc="-1" dirty="0">
-                <a:solidFill>
-                  <a:srgbClr val="000000"/>
-                </a:solidFill>
-              </a:rPr>
-              <a:t>@ midnight for a 2% grade</a:t>
-            </a:r>
-            <a:r>
-              <a:rPr lang="en-US" sz="1600" b="1" spc="-1" dirty="0" smtClean="0">
-                <a:solidFill>
-                  <a:srgbClr val="000000"/>
-                </a:solidFill>
-              </a:rPr>
-              <a:t>)</a:t>
-            </a:r>
-            <a:r>
-              <a:rPr lang="en-US" sz="1600" spc="-1" dirty="0" smtClean="0">
+              <a:t>grade)</a:t>
+            </a:r>
+            <a:r>
+              <a:rPr lang="en-US" sz="1600" spc="-1">
                 <a:solidFill>
                   <a:srgbClr val="000000"/>
                 </a:solidFill>
               </a:rPr>
               <a:t>:</a:t>
             </a:r>
-            <a:br>
-              <a:rPr lang="en-US" sz="1600" spc="-1" dirty="0" smtClean="0">
-                <a:solidFill>
-                  <a:srgbClr val="000000"/>
-                </a:solidFill>
-              </a:rPr>
-            </a:br>
             <a:endParaRPr lang="en-CA" sz="1600" dirty="0"/>
           </a:p>
           <a:p>
@@ -7260,13 +7335,8 @@
             </a:br>
             <a:r>
               <a:rPr lang="en-US" dirty="0"/>
-              <a:t>Perform LINUX PRACTICE QUESTIONS (9 – 16</a:t>
-            </a:r>
-            <a:r>
-              <a:rPr lang="en-US" dirty="0" smtClean="0"/>
-              <a:t>)</a:t>
-            </a:r>
-            <a:endParaRPr lang="en-US" dirty="0"/>
+              <a:t>Perform LINUX PRACTICE QUESTIONS (9 – 16)</a:t>
+            </a:r>
           </a:p>
         </p:txBody>
       </p:sp>
@@ -7841,7 +7911,7 @@
           <a:blip r:embed="rId2">
             <a:extLst>
               <a:ext uri="{837473B0-CC2E-450A-ABE3-18F120FF3D39}">
-                <a1611:picAttrSrcUrl xmlns="" xmlns:a1611="http://schemas.microsoft.com/office/drawing/2016/11/main" r:id="rId3"/>
+                <a1611:picAttrSrcUrl xmlns:a1611="http://schemas.microsoft.com/office/drawing/2016/11/main" r:id="rId3"/>
               </a:ext>
             </a:extLst>
           </a:blip>
@@ -10141,7 +10211,7 @@
           <a:blip r:embed="rId2">
             <a:extLst>
               <a:ext uri="{837473B0-CC2E-450A-ABE3-18F120FF3D39}">
-                <a1611:picAttrSrcUrl xmlns="" xmlns:a1611="http://schemas.microsoft.com/office/drawing/2016/11/main" r:id="rId3"/>
+                <a1611:picAttrSrcUrl xmlns:a1611="http://schemas.microsoft.com/office/drawing/2016/11/main" r:id="rId3"/>
               </a:ext>
             </a:extLst>
           </a:blip>
@@ -10468,7 +10538,7 @@
                   <a:srgbClr val="0070C0"/>
                 </a:solidFill>
               </a:rPr>
-              <a:t>murray.saul</a:t>
+              <a:t>jason.carman</a:t>
             </a:r>
             <a:r>
               <a:rPr lang="en-CA" sz="1900" b="1" dirty="0">
@@ -11518,7 +11588,7 @@
           <a:blip r:embed="rId2">
             <a:extLst>
               <a:ext uri="{837473B0-CC2E-450A-ABE3-18F120FF3D39}">
-                <a1611:picAttrSrcUrl xmlns="" xmlns:a1611="http://schemas.microsoft.com/office/drawing/2016/11/main" r:id="rId3"/>
+                <a1611:picAttrSrcUrl xmlns:a1611="http://schemas.microsoft.com/office/drawing/2016/11/main" r:id="rId3"/>
               </a:ext>
             </a:extLst>
           </a:blip>

--- a/ULI101-2.2.pptx
+++ b/ULI101-2.2.pptx
@@ -352,7 +352,7 @@
           <a:p>
             <a:fld id="{92107E4A-59D9-C648-BC62-133DA4EC414F}" type="datetimeFigureOut">
               <a:rPr lang="en-US" smtClean="0"/>
-              <a:t>9/10/22</a:t>
+              <a:t>5/15/23</a:t>
             </a:fld>
             <a:endParaRPr lang="en-US"/>
           </a:p>
@@ -758,7 +758,7 @@
           <a:p>
             <a:fld id="{4AB1357F-A277-7442-BEE7-4FE250216E54}" type="datetimeFigureOut">
               <a:rPr lang="en-US" smtClean="0"/>
-              <a:t>9/10/22</a:t>
+              <a:t>5/15/23</a:t>
             </a:fld>
             <a:endParaRPr lang="en-US"/>
           </a:p>
@@ -969,7 +969,7 @@
           <a:p>
             <a:fld id="{4AB1357F-A277-7442-BEE7-4FE250216E54}" type="datetimeFigureOut">
               <a:rPr lang="en-US" smtClean="0"/>
-              <a:t>9/10/22</a:t>
+              <a:t>5/15/23</a:t>
             </a:fld>
             <a:endParaRPr lang="en-US"/>
           </a:p>
@@ -1184,7 +1184,7 @@
           <a:p>
             <a:fld id="{4AB1357F-A277-7442-BEE7-4FE250216E54}" type="datetimeFigureOut">
               <a:rPr lang="en-US" smtClean="0"/>
-              <a:t>9/10/22</a:t>
+              <a:t>5/15/23</a:t>
             </a:fld>
             <a:endParaRPr lang="en-US"/>
           </a:p>
@@ -1385,7 +1385,7 @@
           <a:p>
             <a:fld id="{4AB1357F-A277-7442-BEE7-4FE250216E54}" type="datetimeFigureOut">
               <a:rPr lang="en-US" smtClean="0"/>
-              <a:t>9/10/22</a:t>
+              <a:t>5/15/23</a:t>
             </a:fld>
             <a:endParaRPr lang="en-US"/>
           </a:p>
@@ -1664,7 +1664,7 @@
           <a:p>
             <a:fld id="{4AB1357F-A277-7442-BEE7-4FE250216E54}" type="datetimeFigureOut">
               <a:rPr lang="en-US" smtClean="0"/>
-              <a:t>9/10/22</a:t>
+              <a:t>5/15/23</a:t>
             </a:fld>
             <a:endParaRPr lang="en-US"/>
           </a:p>
@@ -1932,7 +1932,7 @@
           <a:p>
             <a:fld id="{4AB1357F-A277-7442-BEE7-4FE250216E54}" type="datetimeFigureOut">
               <a:rPr lang="en-US" smtClean="0"/>
-              <a:t>9/10/22</a:t>
+              <a:t>5/15/23</a:t>
             </a:fld>
             <a:endParaRPr lang="en-US"/>
           </a:p>
@@ -2348,7 +2348,7 @@
           <a:p>
             <a:fld id="{4AB1357F-A277-7442-BEE7-4FE250216E54}" type="datetimeFigureOut">
               <a:rPr lang="en-US" smtClean="0"/>
-              <a:t>9/10/22</a:t>
+              <a:t>5/15/23</a:t>
             </a:fld>
             <a:endParaRPr lang="en-US"/>
           </a:p>
@@ -2497,7 +2497,7 @@
           <a:p>
             <a:fld id="{4AB1357F-A277-7442-BEE7-4FE250216E54}" type="datetimeFigureOut">
               <a:rPr lang="en-US" smtClean="0"/>
-              <a:t>9/10/22</a:t>
+              <a:t>5/15/23</a:t>
             </a:fld>
             <a:endParaRPr lang="en-US"/>
           </a:p>
@@ -2623,7 +2623,7 @@
           <a:p>
             <a:fld id="{4AB1357F-A277-7442-BEE7-4FE250216E54}" type="datetimeFigureOut">
               <a:rPr lang="en-US" smtClean="0"/>
-              <a:t>9/10/22</a:t>
+              <a:t>5/15/23</a:t>
             </a:fld>
             <a:endParaRPr lang="en-US"/>
           </a:p>
@@ -2874,7 +2874,7 @@
           <a:p>
             <a:fld id="{4AB1357F-A277-7442-BEE7-4FE250216E54}" type="datetimeFigureOut">
               <a:rPr lang="en-US" smtClean="0"/>
-              <a:t>9/10/22</a:t>
+              <a:t>5/15/23</a:t>
             </a:fld>
             <a:endParaRPr lang="en-US"/>
           </a:p>
@@ -3319,7 +3319,7 @@
           <a:p>
             <a:fld id="{4AB1357F-A277-7442-BEE7-4FE250216E54}" type="datetimeFigureOut">
               <a:rPr lang="en-US" smtClean="0"/>
-              <a:t>9/10/22</a:t>
+              <a:t>5/15/23</a:t>
             </a:fld>
             <a:endParaRPr lang="en-US"/>
           </a:p>
@@ -3646,7 +3646,7 @@
           <a:p>
             <a:fld id="{4AB1357F-A277-7442-BEE7-4FE250216E54}" type="datetimeFigureOut">
               <a:rPr lang="en-US" smtClean="0"/>
-              <a:t>9/10/22</a:t>
+              <a:t>5/15/23</a:t>
             </a:fld>
             <a:endParaRPr lang="en-US"/>
           </a:p>
@@ -4579,220 +4579,6 @@
   <p:clrMapOvr>
     <a:masterClrMapping/>
   </p:clrMapOvr>
-  <p:timing>
-    <p:tnLst>
-      <p:par>
-        <p:cTn id="1" dur="indefinite" restart="never" nodeType="tmRoot">
-          <p:childTnLst>
-            <p:seq concurrent="1" nextAc="seek">
-              <p:cTn id="2" dur="indefinite" nodeType="mainSeq">
-                <p:childTnLst>
-                  <p:par>
-                    <p:cTn id="3" fill="hold">
-                      <p:stCondLst>
-                        <p:cond delay="indefinite"/>
-                        <p:cond evt="onBegin" delay="0">
-                          <p:tn val="2"/>
-                        </p:cond>
-                      </p:stCondLst>
-                      <p:childTnLst>
-                        <p:par>
-                          <p:cTn id="4" fill="hold">
-                            <p:stCondLst>
-                              <p:cond delay="0"/>
-                            </p:stCondLst>
-                            <p:childTnLst>
-                              <p:par>
-                                <p:cTn id="5" presetID="1" presetClass="entr" presetSubtype="0" fill="hold" grpId="0" nodeType="withEffect">
-                                  <p:stCondLst>
-                                    <p:cond delay="0"/>
-                                  </p:stCondLst>
-                                  <p:childTnLst>
-                                    <p:set>
-                                      <p:cBhvr>
-                                        <p:cTn id="6" dur="1" fill="hold">
-                                          <p:stCondLst>
-                                            <p:cond delay="0"/>
-                                          </p:stCondLst>
-                                        </p:cTn>
-                                        <p:tgtEl>
-                                          <p:spTgt spid="3">
-                                            <p:txEl>
-                                              <p:pRg st="0" end="0"/>
-                                            </p:txEl>
-                                          </p:spTgt>
-                                        </p:tgtEl>
-                                        <p:attrNameLst>
-                                          <p:attrName>style.visibility</p:attrName>
-                                        </p:attrNameLst>
-                                      </p:cBhvr>
-                                      <p:to>
-                                        <p:strVal val="visible"/>
-                                      </p:to>
-                                    </p:set>
-                                  </p:childTnLst>
-                                </p:cTn>
-                              </p:par>
-                              <p:par>
-                                <p:cTn id="7" presetID="1" presetClass="entr" presetSubtype="0" fill="hold" grpId="0" nodeType="withEffect">
-                                  <p:stCondLst>
-                                    <p:cond delay="0"/>
-                                  </p:stCondLst>
-                                  <p:childTnLst>
-                                    <p:set>
-                                      <p:cBhvr>
-                                        <p:cTn id="8" dur="1" fill="hold">
-                                          <p:stCondLst>
-                                            <p:cond delay="0"/>
-                                          </p:stCondLst>
-                                        </p:cTn>
-                                        <p:tgtEl>
-                                          <p:spTgt spid="3">
-                                            <p:txEl>
-                                              <p:pRg st="1" end="1"/>
-                                            </p:txEl>
-                                          </p:spTgt>
-                                        </p:tgtEl>
-                                        <p:attrNameLst>
-                                          <p:attrName>style.visibility</p:attrName>
-                                        </p:attrNameLst>
-                                      </p:cBhvr>
-                                      <p:to>
-                                        <p:strVal val="visible"/>
-                                      </p:to>
-                                    </p:set>
-                                  </p:childTnLst>
-                                </p:cTn>
-                              </p:par>
-                            </p:childTnLst>
-                          </p:cTn>
-                        </p:par>
-                      </p:childTnLst>
-                    </p:cTn>
-                  </p:par>
-                  <p:par>
-                    <p:cTn id="9" fill="hold">
-                      <p:stCondLst>
-                        <p:cond delay="indefinite"/>
-                      </p:stCondLst>
-                      <p:childTnLst>
-                        <p:par>
-                          <p:cTn id="10" fill="hold">
-                            <p:stCondLst>
-                              <p:cond delay="0"/>
-                            </p:stCondLst>
-                            <p:childTnLst>
-                              <p:par>
-                                <p:cTn id="11" presetID="1" presetClass="entr" presetSubtype="0" fill="hold" grpId="0" nodeType="clickEffect">
-                                  <p:stCondLst>
-                                    <p:cond delay="0"/>
-                                  </p:stCondLst>
-                                  <p:childTnLst>
-                                    <p:set>
-                                      <p:cBhvr>
-                                        <p:cTn id="12" dur="1" fill="hold">
-                                          <p:stCondLst>
-                                            <p:cond delay="0"/>
-                                          </p:stCondLst>
-                                        </p:cTn>
-                                        <p:tgtEl>
-                                          <p:spTgt spid="3">
-                                            <p:txEl>
-                                              <p:pRg st="2" end="2"/>
-                                            </p:txEl>
-                                          </p:spTgt>
-                                        </p:tgtEl>
-                                        <p:attrNameLst>
-                                          <p:attrName>style.visibility</p:attrName>
-                                        </p:attrNameLst>
-                                      </p:cBhvr>
-                                      <p:to>
-                                        <p:strVal val="visible"/>
-                                      </p:to>
-                                    </p:set>
-                                  </p:childTnLst>
-                                </p:cTn>
-                              </p:par>
-                            </p:childTnLst>
-                          </p:cTn>
-                        </p:par>
-                      </p:childTnLst>
-                    </p:cTn>
-                  </p:par>
-                  <p:par>
-                    <p:cTn id="13" fill="hold">
-                      <p:stCondLst>
-                        <p:cond delay="indefinite"/>
-                      </p:stCondLst>
-                      <p:childTnLst>
-                        <p:par>
-                          <p:cTn id="14" fill="hold">
-                            <p:stCondLst>
-                              <p:cond delay="0"/>
-                            </p:stCondLst>
-                            <p:childTnLst>
-                              <p:par>
-                                <p:cTn id="15" presetID="1" presetClass="entr" presetSubtype="0" fill="hold" grpId="0" nodeType="clickEffect">
-                                  <p:stCondLst>
-                                    <p:cond delay="0"/>
-                                  </p:stCondLst>
-                                  <p:childTnLst>
-                                    <p:set>
-                                      <p:cBhvr>
-                                        <p:cTn id="16" dur="1" fill="hold">
-                                          <p:stCondLst>
-                                            <p:cond delay="0"/>
-                                          </p:stCondLst>
-                                        </p:cTn>
-                                        <p:tgtEl>
-                                          <p:spTgt spid="3">
-                                            <p:txEl>
-                                              <p:pRg st="3" end="3"/>
-                                            </p:txEl>
-                                          </p:spTgt>
-                                        </p:tgtEl>
-                                        <p:attrNameLst>
-                                          <p:attrName>style.visibility</p:attrName>
-                                        </p:attrNameLst>
-                                      </p:cBhvr>
-                                      <p:to>
-                                        <p:strVal val="visible"/>
-                                      </p:to>
-                                    </p:set>
-                                  </p:childTnLst>
-                                </p:cTn>
-                              </p:par>
-                            </p:childTnLst>
-                          </p:cTn>
-                        </p:par>
-                      </p:childTnLst>
-                    </p:cTn>
-                  </p:par>
-                </p:childTnLst>
-              </p:cTn>
-              <p:prevCondLst>
-                <p:cond evt="onPrev" delay="0">
-                  <p:tgtEl>
-                    <p:sldTgt/>
-                  </p:tgtEl>
-                </p:cond>
-              </p:prevCondLst>
-              <p:nextCondLst>
-                <p:cond evt="onNext" delay="0">
-                  <p:tgtEl>
-                    <p:sldTgt/>
-                  </p:tgtEl>
-                </p:cond>
-              </p:nextCondLst>
-            </p:seq>
-          </p:childTnLst>
-        </p:cTn>
-      </p:par>
-    </p:tnLst>
-    <p:bldLst>
-      <p:bldP spid="3" grpId="0" uiExpand="1" build="p"/>
-    </p:bldLst>
-  </p:timing>
 </p:sld>
 </file>
 
@@ -5375,122 +5161,6 @@
   <p:clrMapOvr>
     <a:masterClrMapping/>
   </p:clrMapOvr>
-  <p:timing>
-    <p:tnLst>
-      <p:par>
-        <p:cTn id="1" dur="indefinite" restart="never" nodeType="tmRoot">
-          <p:childTnLst>
-            <p:seq concurrent="1" nextAc="seek">
-              <p:cTn id="2" dur="indefinite" nodeType="mainSeq">
-                <p:childTnLst>
-                  <p:par>
-                    <p:cTn id="3" fill="hold">
-                      <p:stCondLst>
-                        <p:cond delay="indefinite"/>
-                        <p:cond evt="onBegin" delay="0">
-                          <p:tn val="2"/>
-                        </p:cond>
-                      </p:stCondLst>
-                      <p:childTnLst>
-                        <p:par>
-                          <p:cTn id="4" fill="hold">
-                            <p:stCondLst>
-                              <p:cond delay="0"/>
-                            </p:stCondLst>
-                            <p:childTnLst>
-                              <p:par>
-                                <p:cTn id="5" presetID="1" presetClass="entr" presetSubtype="0" fill="hold" grpId="0" nodeType="withEffect">
-                                  <p:stCondLst>
-                                    <p:cond delay="0"/>
-                                  </p:stCondLst>
-                                  <p:childTnLst>
-                                    <p:set>
-                                      <p:cBhvr>
-                                        <p:cTn id="6" dur="1" fill="hold">
-                                          <p:stCondLst>
-                                            <p:cond delay="0"/>
-                                          </p:stCondLst>
-                                        </p:cTn>
-                                        <p:tgtEl>
-                                          <p:spTgt spid="3">
-                                            <p:txEl>
-                                              <p:pRg st="0" end="0"/>
-                                            </p:txEl>
-                                          </p:spTgt>
-                                        </p:tgtEl>
-                                        <p:attrNameLst>
-                                          <p:attrName>style.visibility</p:attrName>
-                                        </p:attrNameLst>
-                                      </p:cBhvr>
-                                      <p:to>
-                                        <p:strVal val="visible"/>
-                                      </p:to>
-                                    </p:set>
-                                  </p:childTnLst>
-                                </p:cTn>
-                              </p:par>
-                              <p:par>
-                                <p:cTn id="7" presetID="1" presetClass="entr" presetSubtype="0" fill="hold" grpId="0" nodeType="withEffect">
-                                  <p:stCondLst>
-                                    <p:cond delay="0"/>
-                                  </p:stCondLst>
-                                  <p:childTnLst>
-                                    <p:set>
-                                      <p:cBhvr>
-                                        <p:cTn id="8" dur="1" fill="hold">
-                                          <p:stCondLst>
-                                            <p:cond delay="0"/>
-                                          </p:stCondLst>
-                                        </p:cTn>
-                                        <p:tgtEl>
-                                          <p:spTgt spid="3">
-                                            <p:txEl>
-                                              <p:pRg st="1" end="1"/>
-                                            </p:txEl>
-                                          </p:spTgt>
-                                        </p:tgtEl>
-                                        <p:attrNameLst>
-                                          <p:attrName>style.visibility</p:attrName>
-                                        </p:attrNameLst>
-                                      </p:cBhvr>
-                                      <p:to>
-                                        <p:strVal val="visible"/>
-                                      </p:to>
-                                    </p:set>
-                                  </p:childTnLst>
-                                </p:cTn>
-                              </p:par>
-                            </p:childTnLst>
-                          </p:cTn>
-                        </p:par>
-                      </p:childTnLst>
-                    </p:cTn>
-                  </p:par>
-                </p:childTnLst>
-              </p:cTn>
-              <p:prevCondLst>
-                <p:cond evt="onPrev" delay="0">
-                  <p:tgtEl>
-                    <p:sldTgt/>
-                  </p:tgtEl>
-                </p:cond>
-              </p:prevCondLst>
-              <p:nextCondLst>
-                <p:cond evt="onNext" delay="0">
-                  <p:tgtEl>
-                    <p:sldTgt/>
-                  </p:tgtEl>
-                </p:cond>
-              </p:nextCondLst>
-            </p:seq>
-          </p:childTnLst>
-        </p:cTn>
-      </p:par>
-    </p:tnLst>
-    <p:bldLst>
-      <p:bldP spid="3" grpId="0" uiExpand="1" build="p"/>
-    </p:bldLst>
-  </p:timing>
 </p:sld>
 </file>
 
@@ -6013,122 +5683,6 @@
   <p:clrMapOvr>
     <a:masterClrMapping/>
   </p:clrMapOvr>
-  <p:timing>
-    <p:tnLst>
-      <p:par>
-        <p:cTn id="1" dur="indefinite" restart="never" nodeType="tmRoot">
-          <p:childTnLst>
-            <p:seq concurrent="1" nextAc="seek">
-              <p:cTn id="2" dur="indefinite" nodeType="mainSeq">
-                <p:childTnLst>
-                  <p:par>
-                    <p:cTn id="3" fill="hold">
-                      <p:stCondLst>
-                        <p:cond delay="indefinite"/>
-                        <p:cond evt="onBegin" delay="0">
-                          <p:tn val="2"/>
-                        </p:cond>
-                      </p:stCondLst>
-                      <p:childTnLst>
-                        <p:par>
-                          <p:cTn id="4" fill="hold">
-                            <p:stCondLst>
-                              <p:cond delay="0"/>
-                            </p:stCondLst>
-                            <p:childTnLst>
-                              <p:par>
-                                <p:cTn id="5" presetID="1" presetClass="entr" presetSubtype="0" fill="hold" grpId="0" nodeType="withEffect">
-                                  <p:stCondLst>
-                                    <p:cond delay="0"/>
-                                  </p:stCondLst>
-                                  <p:childTnLst>
-                                    <p:set>
-                                      <p:cBhvr>
-                                        <p:cTn id="6" dur="1" fill="hold">
-                                          <p:stCondLst>
-                                            <p:cond delay="0"/>
-                                          </p:stCondLst>
-                                        </p:cTn>
-                                        <p:tgtEl>
-                                          <p:spTgt spid="3">
-                                            <p:txEl>
-                                              <p:pRg st="0" end="0"/>
-                                            </p:txEl>
-                                          </p:spTgt>
-                                        </p:tgtEl>
-                                        <p:attrNameLst>
-                                          <p:attrName>style.visibility</p:attrName>
-                                        </p:attrNameLst>
-                                      </p:cBhvr>
-                                      <p:to>
-                                        <p:strVal val="visible"/>
-                                      </p:to>
-                                    </p:set>
-                                  </p:childTnLst>
-                                </p:cTn>
-                              </p:par>
-                              <p:par>
-                                <p:cTn id="7" presetID="1" presetClass="entr" presetSubtype="0" fill="hold" grpId="0" nodeType="withEffect">
-                                  <p:stCondLst>
-                                    <p:cond delay="0"/>
-                                  </p:stCondLst>
-                                  <p:childTnLst>
-                                    <p:set>
-                                      <p:cBhvr>
-                                        <p:cTn id="8" dur="1" fill="hold">
-                                          <p:stCondLst>
-                                            <p:cond delay="0"/>
-                                          </p:stCondLst>
-                                        </p:cTn>
-                                        <p:tgtEl>
-                                          <p:spTgt spid="3">
-                                            <p:txEl>
-                                              <p:pRg st="1" end="1"/>
-                                            </p:txEl>
-                                          </p:spTgt>
-                                        </p:tgtEl>
-                                        <p:attrNameLst>
-                                          <p:attrName>style.visibility</p:attrName>
-                                        </p:attrNameLst>
-                                      </p:cBhvr>
-                                      <p:to>
-                                        <p:strVal val="visible"/>
-                                      </p:to>
-                                    </p:set>
-                                  </p:childTnLst>
-                                </p:cTn>
-                              </p:par>
-                            </p:childTnLst>
-                          </p:cTn>
-                        </p:par>
-                      </p:childTnLst>
-                    </p:cTn>
-                  </p:par>
-                </p:childTnLst>
-              </p:cTn>
-              <p:prevCondLst>
-                <p:cond evt="onPrev" delay="0">
-                  <p:tgtEl>
-                    <p:sldTgt/>
-                  </p:tgtEl>
-                </p:cond>
-              </p:prevCondLst>
-              <p:nextCondLst>
-                <p:cond evt="onNext" delay="0">
-                  <p:tgtEl>
-                    <p:sldTgt/>
-                  </p:tgtEl>
-                </p:cond>
-              </p:nextCondLst>
-            </p:seq>
-          </p:childTnLst>
-        </p:cTn>
-      </p:par>
-    </p:tnLst>
-    <p:bldLst>
-      <p:bldP spid="3" grpId="0" uiExpand="1" build="p"/>
-    </p:bldLst>
-  </p:timing>
 </p:sld>
 </file>
 
@@ -6380,339 +5934,6 @@
   <p:clrMapOvr>
     <a:masterClrMapping/>
   </p:clrMapOvr>
-  <p:timing>
-    <p:tnLst>
-      <p:par>
-        <p:cTn id="1" dur="indefinite" restart="never" nodeType="tmRoot">
-          <p:childTnLst>
-            <p:seq concurrent="1" nextAc="seek">
-              <p:cTn id="2" dur="indefinite" nodeType="mainSeq">
-                <p:childTnLst>
-                  <p:par>
-                    <p:cTn id="3" fill="hold">
-                      <p:stCondLst>
-                        <p:cond delay="indefinite"/>
-                        <p:cond evt="onBegin" delay="0">
-                          <p:tn val="2"/>
-                        </p:cond>
-                      </p:stCondLst>
-                      <p:childTnLst>
-                        <p:par>
-                          <p:cTn id="4" fill="hold">
-                            <p:stCondLst>
-                              <p:cond delay="0"/>
-                            </p:stCondLst>
-                            <p:childTnLst>
-                              <p:par>
-                                <p:cTn id="5" presetID="1" presetClass="entr" presetSubtype="0" fill="hold" grpId="0" nodeType="withEffect">
-                                  <p:stCondLst>
-                                    <p:cond delay="0"/>
-                                  </p:stCondLst>
-                                  <p:childTnLst>
-                                    <p:set>
-                                      <p:cBhvr>
-                                        <p:cTn id="6" dur="1" fill="hold">
-                                          <p:stCondLst>
-                                            <p:cond delay="0"/>
-                                          </p:stCondLst>
-                                        </p:cTn>
-                                        <p:tgtEl>
-                                          <p:spTgt spid="3">
-                                            <p:txEl>
-                                              <p:pRg st="0" end="0"/>
-                                            </p:txEl>
-                                          </p:spTgt>
-                                        </p:tgtEl>
-                                        <p:attrNameLst>
-                                          <p:attrName>style.visibility</p:attrName>
-                                        </p:attrNameLst>
-                                      </p:cBhvr>
-                                      <p:to>
-                                        <p:strVal val="visible"/>
-                                      </p:to>
-                                    </p:set>
-                                  </p:childTnLst>
-                                </p:cTn>
-                              </p:par>
-                              <p:par>
-                                <p:cTn id="7" presetID="1" presetClass="entr" presetSubtype="0" fill="hold" grpId="0" nodeType="withEffect">
-                                  <p:stCondLst>
-                                    <p:cond delay="0"/>
-                                  </p:stCondLst>
-                                  <p:childTnLst>
-                                    <p:set>
-                                      <p:cBhvr>
-                                        <p:cTn id="8" dur="1" fill="hold">
-                                          <p:stCondLst>
-                                            <p:cond delay="0"/>
-                                          </p:stCondLst>
-                                        </p:cTn>
-                                        <p:tgtEl>
-                                          <p:spTgt spid="3">
-                                            <p:txEl>
-                                              <p:pRg st="1" end="1"/>
-                                            </p:txEl>
-                                          </p:spTgt>
-                                        </p:tgtEl>
-                                        <p:attrNameLst>
-                                          <p:attrName>style.visibility</p:attrName>
-                                        </p:attrNameLst>
-                                      </p:cBhvr>
-                                      <p:to>
-                                        <p:strVal val="visible"/>
-                                      </p:to>
-                                    </p:set>
-                                  </p:childTnLst>
-                                </p:cTn>
-                              </p:par>
-                              <p:par>
-                                <p:cTn id="9" presetID="1" presetClass="entr" presetSubtype="0" fill="hold" grpId="0" nodeType="withEffect">
-                                  <p:stCondLst>
-                                    <p:cond delay="0"/>
-                                  </p:stCondLst>
-                                  <p:childTnLst>
-                                    <p:set>
-                                      <p:cBhvr>
-                                        <p:cTn id="10" dur="1" fill="hold">
-                                          <p:stCondLst>
-                                            <p:cond delay="0"/>
-                                          </p:stCondLst>
-                                        </p:cTn>
-                                        <p:tgtEl>
-                                          <p:spTgt spid="3">
-                                            <p:txEl>
-                                              <p:pRg st="2" end="2"/>
-                                            </p:txEl>
-                                          </p:spTgt>
-                                        </p:tgtEl>
-                                        <p:attrNameLst>
-                                          <p:attrName>style.visibility</p:attrName>
-                                        </p:attrNameLst>
-                                      </p:cBhvr>
-                                      <p:to>
-                                        <p:strVal val="visible"/>
-                                      </p:to>
-                                    </p:set>
-                                  </p:childTnLst>
-                                </p:cTn>
-                              </p:par>
-                              <p:par>
-                                <p:cTn id="11" presetID="1" presetClass="entr" presetSubtype="0" fill="hold" grpId="0" nodeType="withEffect">
-                                  <p:stCondLst>
-                                    <p:cond delay="0"/>
-                                  </p:stCondLst>
-                                  <p:childTnLst>
-                                    <p:set>
-                                      <p:cBhvr>
-                                        <p:cTn id="12" dur="1" fill="hold">
-                                          <p:stCondLst>
-                                            <p:cond delay="0"/>
-                                          </p:stCondLst>
-                                        </p:cTn>
-                                        <p:tgtEl>
-                                          <p:spTgt spid="3">
-                                            <p:txEl>
-                                              <p:pRg st="3" end="3"/>
-                                            </p:txEl>
-                                          </p:spTgt>
-                                        </p:tgtEl>
-                                        <p:attrNameLst>
-                                          <p:attrName>style.visibility</p:attrName>
-                                        </p:attrNameLst>
-                                      </p:cBhvr>
-                                      <p:to>
-                                        <p:strVal val="visible"/>
-                                      </p:to>
-                                    </p:set>
-                                  </p:childTnLst>
-                                </p:cTn>
-                              </p:par>
-                              <p:par>
-                                <p:cTn id="13" presetID="1" presetClass="entr" presetSubtype="0" fill="hold" grpId="0" nodeType="withEffect">
-                                  <p:stCondLst>
-                                    <p:cond delay="0"/>
-                                  </p:stCondLst>
-                                  <p:childTnLst>
-                                    <p:set>
-                                      <p:cBhvr>
-                                        <p:cTn id="14" dur="1" fill="hold">
-                                          <p:stCondLst>
-                                            <p:cond delay="0"/>
-                                          </p:stCondLst>
-                                        </p:cTn>
-                                        <p:tgtEl>
-                                          <p:spTgt spid="3">
-                                            <p:txEl>
-                                              <p:pRg st="4" end="4"/>
-                                            </p:txEl>
-                                          </p:spTgt>
-                                        </p:tgtEl>
-                                        <p:attrNameLst>
-                                          <p:attrName>style.visibility</p:attrName>
-                                        </p:attrNameLst>
-                                      </p:cBhvr>
-                                      <p:to>
-                                        <p:strVal val="visible"/>
-                                      </p:to>
-                                    </p:set>
-                                  </p:childTnLst>
-                                </p:cTn>
-                              </p:par>
-                              <p:par>
-                                <p:cTn id="15" presetID="1" presetClass="entr" presetSubtype="0" fill="hold" grpId="0" nodeType="withEffect">
-                                  <p:stCondLst>
-                                    <p:cond delay="0"/>
-                                  </p:stCondLst>
-                                  <p:childTnLst>
-                                    <p:set>
-                                      <p:cBhvr>
-                                        <p:cTn id="16" dur="1" fill="hold">
-                                          <p:stCondLst>
-                                            <p:cond delay="0"/>
-                                          </p:stCondLst>
-                                        </p:cTn>
-                                        <p:tgtEl>
-                                          <p:spTgt spid="3">
-                                            <p:txEl>
-                                              <p:pRg st="5" end="5"/>
-                                            </p:txEl>
-                                          </p:spTgt>
-                                        </p:tgtEl>
-                                        <p:attrNameLst>
-                                          <p:attrName>style.visibility</p:attrName>
-                                        </p:attrNameLst>
-                                      </p:cBhvr>
-                                      <p:to>
-                                        <p:strVal val="visible"/>
-                                      </p:to>
-                                    </p:set>
-                                  </p:childTnLst>
-                                </p:cTn>
-                              </p:par>
-                              <p:par>
-                                <p:cTn id="17" presetID="1" presetClass="entr" presetSubtype="0" fill="hold" grpId="0" nodeType="withEffect">
-                                  <p:stCondLst>
-                                    <p:cond delay="0"/>
-                                  </p:stCondLst>
-                                  <p:childTnLst>
-                                    <p:set>
-                                      <p:cBhvr>
-                                        <p:cTn id="18" dur="1" fill="hold">
-                                          <p:stCondLst>
-                                            <p:cond delay="0"/>
-                                          </p:stCondLst>
-                                        </p:cTn>
-                                        <p:tgtEl>
-                                          <p:spTgt spid="3">
-                                            <p:txEl>
-                                              <p:pRg st="6" end="6"/>
-                                            </p:txEl>
-                                          </p:spTgt>
-                                        </p:tgtEl>
-                                        <p:attrNameLst>
-                                          <p:attrName>style.visibility</p:attrName>
-                                        </p:attrNameLst>
-                                      </p:cBhvr>
-                                      <p:to>
-                                        <p:strVal val="visible"/>
-                                      </p:to>
-                                    </p:set>
-                                  </p:childTnLst>
-                                </p:cTn>
-                              </p:par>
-                              <p:par>
-                                <p:cTn id="19" presetID="1" presetClass="entr" presetSubtype="0" fill="hold" grpId="0" nodeType="withEffect">
-                                  <p:stCondLst>
-                                    <p:cond delay="0"/>
-                                  </p:stCondLst>
-                                  <p:childTnLst>
-                                    <p:set>
-                                      <p:cBhvr>
-                                        <p:cTn id="20" dur="1" fill="hold">
-                                          <p:stCondLst>
-                                            <p:cond delay="0"/>
-                                          </p:stCondLst>
-                                        </p:cTn>
-                                        <p:tgtEl>
-                                          <p:spTgt spid="3">
-                                            <p:txEl>
-                                              <p:pRg st="7" end="7"/>
-                                            </p:txEl>
-                                          </p:spTgt>
-                                        </p:tgtEl>
-                                        <p:attrNameLst>
-                                          <p:attrName>style.visibility</p:attrName>
-                                        </p:attrNameLst>
-                                      </p:cBhvr>
-                                      <p:to>
-                                        <p:strVal val="visible"/>
-                                      </p:to>
-                                    </p:set>
-                                  </p:childTnLst>
-                                </p:cTn>
-                              </p:par>
-                              <p:par>
-                                <p:cTn id="21" presetID="1" presetClass="entr" presetSubtype="0" fill="hold" grpId="0" nodeType="withEffect">
-                                  <p:stCondLst>
-                                    <p:cond delay="0"/>
-                                  </p:stCondLst>
-                                  <p:childTnLst>
-                                    <p:set>
-                                      <p:cBhvr>
-                                        <p:cTn id="22" dur="1" fill="hold">
-                                          <p:stCondLst>
-                                            <p:cond delay="0"/>
-                                          </p:stCondLst>
-                                        </p:cTn>
-                                        <p:tgtEl>
-                                          <p:spTgt spid="3">
-                                            <p:txEl>
-                                              <p:pRg st="8" end="8"/>
-                                            </p:txEl>
-                                          </p:spTgt>
-                                        </p:tgtEl>
-                                        <p:attrNameLst>
-                                          <p:attrName>style.visibility</p:attrName>
-                                        </p:attrNameLst>
-                                      </p:cBhvr>
-                                      <p:to>
-                                        <p:strVal val="visible"/>
-                                      </p:to>
-                                    </p:set>
-                                  </p:childTnLst>
-                                </p:cTn>
-                              </p:par>
-                            </p:childTnLst>
-                          </p:cTn>
-                        </p:par>
-                      </p:childTnLst>
-                    </p:cTn>
-                  </p:par>
-                </p:childTnLst>
-              </p:cTn>
-              <p:prevCondLst>
-                <p:cond evt="onPrev" delay="0">
-                  <p:tgtEl>
-                    <p:sldTgt/>
-                  </p:tgtEl>
-                </p:cond>
-              </p:prevCondLst>
-              <p:nextCondLst>
-                <p:cond evt="onNext" delay="0">
-                  <p:tgtEl>
-                    <p:sldTgt/>
-                  </p:tgtEl>
-                </p:cond>
-              </p:nextCondLst>
-            </p:seq>
-          </p:childTnLst>
-        </p:cTn>
-      </p:par>
-    </p:tnLst>
-    <p:bldLst>
-      <p:bldP spid="3" grpId="0" uiExpand="1" build="p"/>
-    </p:bldLst>
-  </p:timing>
 </p:sld>
 </file>
 
@@ -6884,184 +6105,6 @@
   <p:clrMapOvr>
     <a:masterClrMapping/>
   </p:clrMapOvr>
-  <p:timing>
-    <p:tnLst>
-      <p:par>
-        <p:cTn id="1" dur="indefinite" restart="never" nodeType="tmRoot">
-          <p:childTnLst>
-            <p:seq concurrent="1" nextAc="seek">
-              <p:cTn id="2" dur="indefinite" nodeType="mainSeq">
-                <p:childTnLst>
-                  <p:par>
-                    <p:cTn id="3" fill="hold">
-                      <p:stCondLst>
-                        <p:cond delay="indefinite"/>
-                        <p:cond evt="onBegin" delay="0">
-                          <p:tn val="2"/>
-                        </p:cond>
-                      </p:stCondLst>
-                      <p:childTnLst>
-                        <p:par>
-                          <p:cTn id="4" fill="hold">
-                            <p:stCondLst>
-                              <p:cond delay="0"/>
-                            </p:stCondLst>
-                            <p:childTnLst>
-                              <p:par>
-                                <p:cTn id="5" presetID="1" presetClass="entr" presetSubtype="0" fill="hold" grpId="0" nodeType="withEffect">
-                                  <p:stCondLst>
-                                    <p:cond delay="0"/>
-                                  </p:stCondLst>
-                                  <p:childTnLst>
-                                    <p:set>
-                                      <p:cBhvr>
-                                        <p:cTn id="6" dur="1" fill="hold">
-                                          <p:stCondLst>
-                                            <p:cond delay="0"/>
-                                          </p:stCondLst>
-                                        </p:cTn>
-                                        <p:tgtEl>
-                                          <p:spTgt spid="3">
-                                            <p:txEl>
-                                              <p:pRg st="0" end="0"/>
-                                            </p:txEl>
-                                          </p:spTgt>
-                                        </p:tgtEl>
-                                        <p:attrNameLst>
-                                          <p:attrName>style.visibility</p:attrName>
-                                        </p:attrNameLst>
-                                      </p:cBhvr>
-                                      <p:to>
-                                        <p:strVal val="visible"/>
-                                      </p:to>
-                                    </p:set>
-                                  </p:childTnLst>
-                                </p:cTn>
-                              </p:par>
-                              <p:par>
-                                <p:cTn id="7" presetID="1" presetClass="entr" presetSubtype="0" fill="hold" grpId="0" nodeType="withEffect">
-                                  <p:stCondLst>
-                                    <p:cond delay="0"/>
-                                  </p:stCondLst>
-                                  <p:childTnLst>
-                                    <p:set>
-                                      <p:cBhvr>
-                                        <p:cTn id="8" dur="1" fill="hold">
-                                          <p:stCondLst>
-                                            <p:cond delay="0"/>
-                                          </p:stCondLst>
-                                        </p:cTn>
-                                        <p:tgtEl>
-                                          <p:spTgt spid="3">
-                                            <p:txEl>
-                                              <p:pRg st="1" end="1"/>
-                                            </p:txEl>
-                                          </p:spTgt>
-                                        </p:tgtEl>
-                                        <p:attrNameLst>
-                                          <p:attrName>style.visibility</p:attrName>
-                                        </p:attrNameLst>
-                                      </p:cBhvr>
-                                      <p:to>
-                                        <p:strVal val="visible"/>
-                                      </p:to>
-                                    </p:set>
-                                  </p:childTnLst>
-                                </p:cTn>
-                              </p:par>
-                              <p:par>
-                                <p:cTn id="9" presetID="1" presetClass="entr" presetSubtype="0" fill="hold" grpId="0" nodeType="withEffect">
-                                  <p:stCondLst>
-                                    <p:cond delay="0"/>
-                                  </p:stCondLst>
-                                  <p:childTnLst>
-                                    <p:set>
-                                      <p:cBhvr>
-                                        <p:cTn id="10" dur="1" fill="hold">
-                                          <p:stCondLst>
-                                            <p:cond delay="0"/>
-                                          </p:stCondLst>
-                                        </p:cTn>
-                                        <p:tgtEl>
-                                          <p:spTgt spid="3">
-                                            <p:txEl>
-                                              <p:pRg st="2" end="2"/>
-                                            </p:txEl>
-                                          </p:spTgt>
-                                        </p:tgtEl>
-                                        <p:attrNameLst>
-                                          <p:attrName>style.visibility</p:attrName>
-                                        </p:attrNameLst>
-                                      </p:cBhvr>
-                                      <p:to>
-                                        <p:strVal val="visible"/>
-                                      </p:to>
-                                    </p:set>
-                                  </p:childTnLst>
-                                </p:cTn>
-                              </p:par>
-                              <p:par>
-                                <p:cTn id="11" presetID="1" presetClass="entr" presetSubtype="0" fill="hold" grpId="0" nodeType="withEffect">
-                                  <p:stCondLst>
-                                    <p:cond delay="0"/>
-                                  </p:stCondLst>
-                                  <p:childTnLst>
-                                    <p:set>
-                                      <p:cBhvr>
-                                        <p:cTn id="12" dur="1" fill="hold">
-                                          <p:stCondLst>
-                                            <p:cond delay="0"/>
-                                          </p:stCondLst>
-                                        </p:cTn>
-                                        <p:tgtEl>
-                                          <p:spTgt spid="3">
-                                            <p:txEl>
-                                              <p:pRg st="3" end="3"/>
-                                            </p:txEl>
-                                          </p:spTgt>
-                                        </p:tgtEl>
-                                        <p:attrNameLst>
-                                          <p:attrName>style.visibility</p:attrName>
-                                        </p:attrNameLst>
-                                      </p:cBhvr>
-                                      <p:to>
-                                        <p:strVal val="visible"/>
-                                      </p:to>
-                                    </p:set>
-                                  </p:childTnLst>
-                                </p:cTn>
-                              </p:par>
-                            </p:childTnLst>
-                          </p:cTn>
-                        </p:par>
-                      </p:childTnLst>
-                    </p:cTn>
-                  </p:par>
-                </p:childTnLst>
-              </p:cTn>
-              <p:prevCondLst>
-                <p:cond evt="onPrev" delay="0">
-                  <p:tgtEl>
-                    <p:sldTgt/>
-                  </p:tgtEl>
-                </p:cond>
-              </p:prevCondLst>
-              <p:nextCondLst>
-                <p:cond evt="onNext" delay="0">
-                  <p:tgtEl>
-                    <p:sldTgt/>
-                  </p:tgtEl>
-                </p:cond>
-              </p:nextCondLst>
-            </p:seq>
-          </p:childTnLst>
-        </p:cTn>
-      </p:par>
-    </p:tnLst>
-    <p:bldLst>
-      <p:bldP spid="3" grpId="0" uiExpand="1" build="p"/>
-    </p:bldLst>
-  </p:timing>
 </p:sld>
 </file>
 
@@ -7350,372 +6393,6 @@
   <p:clrMapOvr>
     <a:masterClrMapping/>
   </p:clrMapOvr>
-  <p:timing>
-    <p:tnLst>
-      <p:par>
-        <p:cTn id="1" dur="indefinite" restart="never" nodeType="tmRoot">
-          <p:childTnLst>
-            <p:seq concurrent="1" nextAc="seek">
-              <p:cTn id="2" dur="indefinite" nodeType="mainSeq">
-                <p:childTnLst>
-                  <p:par>
-                    <p:cTn id="3" fill="hold">
-                      <p:stCondLst>
-                        <p:cond delay="indefinite"/>
-                      </p:stCondLst>
-                      <p:childTnLst>
-                        <p:par>
-                          <p:cTn id="4" fill="hold">
-                            <p:stCondLst>
-                              <p:cond delay="0"/>
-                            </p:stCondLst>
-                            <p:childTnLst>
-                              <p:par>
-                                <p:cTn id="5" presetID="1" presetClass="entr" presetSubtype="0" fill="hold" grpId="0" nodeType="clickEffect">
-                                  <p:stCondLst>
-                                    <p:cond delay="0"/>
-                                  </p:stCondLst>
-                                  <p:childTnLst>
-                                    <p:set>
-                                      <p:cBhvr>
-                                        <p:cTn id="6" dur="1" fill="hold">
-                                          <p:stCondLst>
-                                            <p:cond delay="0"/>
-                                          </p:stCondLst>
-                                        </p:cTn>
-                                        <p:tgtEl>
-                                          <p:spTgt spid="3">
-                                            <p:txEl>
-                                              <p:pRg st="0" end="0"/>
-                                            </p:txEl>
-                                          </p:spTgt>
-                                        </p:tgtEl>
-                                        <p:attrNameLst>
-                                          <p:attrName>style.visibility</p:attrName>
-                                        </p:attrNameLst>
-                                      </p:cBhvr>
-                                      <p:to>
-                                        <p:strVal val="visible"/>
-                                      </p:to>
-                                    </p:set>
-                                  </p:childTnLst>
-                                </p:cTn>
-                              </p:par>
-                              <p:par>
-                                <p:cTn id="7" presetID="1" presetClass="entr" presetSubtype="0" fill="hold" grpId="0" nodeType="withEffect">
-                                  <p:stCondLst>
-                                    <p:cond delay="0"/>
-                                  </p:stCondLst>
-                                  <p:childTnLst>
-                                    <p:set>
-                                      <p:cBhvr>
-                                        <p:cTn id="8" dur="1" fill="hold">
-                                          <p:stCondLst>
-                                            <p:cond delay="0"/>
-                                          </p:stCondLst>
-                                        </p:cTn>
-                                        <p:tgtEl>
-                                          <p:spTgt spid="3">
-                                            <p:txEl>
-                                              <p:pRg st="1" end="1"/>
-                                            </p:txEl>
-                                          </p:spTgt>
-                                        </p:tgtEl>
-                                        <p:attrNameLst>
-                                          <p:attrName>style.visibility</p:attrName>
-                                        </p:attrNameLst>
-                                      </p:cBhvr>
-                                      <p:to>
-                                        <p:strVal val="visible"/>
-                                      </p:to>
-                                    </p:set>
-                                  </p:childTnLst>
-                                </p:cTn>
-                              </p:par>
-                              <p:par>
-                                <p:cTn id="9" presetID="1" presetClass="entr" presetSubtype="0" fill="hold" grpId="0" nodeType="withEffect">
-                                  <p:stCondLst>
-                                    <p:cond delay="0"/>
-                                  </p:stCondLst>
-                                  <p:childTnLst>
-                                    <p:set>
-                                      <p:cBhvr>
-                                        <p:cTn id="10" dur="1" fill="hold">
-                                          <p:stCondLst>
-                                            <p:cond delay="0"/>
-                                          </p:stCondLst>
-                                        </p:cTn>
-                                        <p:tgtEl>
-                                          <p:spTgt spid="3">
-                                            <p:txEl>
-                                              <p:pRg st="2" end="2"/>
-                                            </p:txEl>
-                                          </p:spTgt>
-                                        </p:tgtEl>
-                                        <p:attrNameLst>
-                                          <p:attrName>style.visibility</p:attrName>
-                                        </p:attrNameLst>
-                                      </p:cBhvr>
-                                      <p:to>
-                                        <p:strVal val="visible"/>
-                                      </p:to>
-                                    </p:set>
-                                  </p:childTnLst>
-                                </p:cTn>
-                              </p:par>
-                              <p:par>
-                                <p:cTn id="11" presetID="1" presetClass="entr" presetSubtype="0" fill="hold" grpId="0" nodeType="withEffect">
-                                  <p:stCondLst>
-                                    <p:cond delay="0"/>
-                                  </p:stCondLst>
-                                  <p:childTnLst>
-                                    <p:set>
-                                      <p:cBhvr>
-                                        <p:cTn id="12" dur="1" fill="hold">
-                                          <p:stCondLst>
-                                            <p:cond delay="0"/>
-                                          </p:stCondLst>
-                                        </p:cTn>
-                                        <p:tgtEl>
-                                          <p:spTgt spid="3">
-                                            <p:txEl>
-                                              <p:pRg st="3" end="3"/>
-                                            </p:txEl>
-                                          </p:spTgt>
-                                        </p:tgtEl>
-                                        <p:attrNameLst>
-                                          <p:attrName>style.visibility</p:attrName>
-                                        </p:attrNameLst>
-                                      </p:cBhvr>
-                                      <p:to>
-                                        <p:strVal val="visible"/>
-                                      </p:to>
-                                    </p:set>
-                                  </p:childTnLst>
-                                </p:cTn>
-                              </p:par>
-                            </p:childTnLst>
-                          </p:cTn>
-                        </p:par>
-                      </p:childTnLst>
-                    </p:cTn>
-                  </p:par>
-                  <p:par>
-                    <p:cTn id="13" fill="hold">
-                      <p:stCondLst>
-                        <p:cond delay="indefinite"/>
-                      </p:stCondLst>
-                      <p:childTnLst>
-                        <p:par>
-                          <p:cTn id="14" fill="hold">
-                            <p:stCondLst>
-                              <p:cond delay="0"/>
-                            </p:stCondLst>
-                            <p:childTnLst>
-                              <p:par>
-                                <p:cTn id="15" presetID="1" presetClass="entr" presetSubtype="0" fill="hold" grpId="0" nodeType="clickEffect">
-                                  <p:stCondLst>
-                                    <p:cond delay="0"/>
-                                  </p:stCondLst>
-                                  <p:childTnLst>
-                                    <p:set>
-                                      <p:cBhvr>
-                                        <p:cTn id="16" dur="1" fill="hold">
-                                          <p:stCondLst>
-                                            <p:cond delay="0"/>
-                                          </p:stCondLst>
-                                        </p:cTn>
-                                        <p:tgtEl>
-                                          <p:spTgt spid="3">
-                                            <p:txEl>
-                                              <p:pRg st="4" end="4"/>
-                                            </p:txEl>
-                                          </p:spTgt>
-                                        </p:tgtEl>
-                                        <p:attrNameLst>
-                                          <p:attrName>style.visibility</p:attrName>
-                                        </p:attrNameLst>
-                                      </p:cBhvr>
-                                      <p:to>
-                                        <p:strVal val="visible"/>
-                                      </p:to>
-                                    </p:set>
-                                  </p:childTnLst>
-                                </p:cTn>
-                              </p:par>
-                              <p:par>
-                                <p:cTn id="17" presetID="1" presetClass="entr" presetSubtype="0" fill="hold" grpId="0" nodeType="withEffect">
-                                  <p:stCondLst>
-                                    <p:cond delay="0"/>
-                                  </p:stCondLst>
-                                  <p:childTnLst>
-                                    <p:set>
-                                      <p:cBhvr>
-                                        <p:cTn id="18" dur="1" fill="hold">
-                                          <p:stCondLst>
-                                            <p:cond delay="0"/>
-                                          </p:stCondLst>
-                                        </p:cTn>
-                                        <p:tgtEl>
-                                          <p:spTgt spid="3">
-                                            <p:txEl>
-                                              <p:pRg st="5" end="5"/>
-                                            </p:txEl>
-                                          </p:spTgt>
-                                        </p:tgtEl>
-                                        <p:attrNameLst>
-                                          <p:attrName>style.visibility</p:attrName>
-                                        </p:attrNameLst>
-                                      </p:cBhvr>
-                                      <p:to>
-                                        <p:strVal val="visible"/>
-                                      </p:to>
-                                    </p:set>
-                                  </p:childTnLst>
-                                </p:cTn>
-                              </p:par>
-                              <p:par>
-                                <p:cTn id="19" presetID="1" presetClass="entr" presetSubtype="0" fill="hold" grpId="0" nodeType="withEffect">
-                                  <p:stCondLst>
-                                    <p:cond delay="0"/>
-                                  </p:stCondLst>
-                                  <p:childTnLst>
-                                    <p:set>
-                                      <p:cBhvr>
-                                        <p:cTn id="20" dur="1" fill="hold">
-                                          <p:stCondLst>
-                                            <p:cond delay="0"/>
-                                          </p:stCondLst>
-                                        </p:cTn>
-                                        <p:tgtEl>
-                                          <p:spTgt spid="3">
-                                            <p:txEl>
-                                              <p:pRg st="6" end="6"/>
-                                            </p:txEl>
-                                          </p:spTgt>
-                                        </p:tgtEl>
-                                        <p:attrNameLst>
-                                          <p:attrName>style.visibility</p:attrName>
-                                        </p:attrNameLst>
-                                      </p:cBhvr>
-                                      <p:to>
-                                        <p:strVal val="visible"/>
-                                      </p:to>
-                                    </p:set>
-                                  </p:childTnLst>
-                                </p:cTn>
-                              </p:par>
-                            </p:childTnLst>
-                          </p:cTn>
-                        </p:par>
-                      </p:childTnLst>
-                    </p:cTn>
-                  </p:par>
-                  <p:par>
-                    <p:cTn id="21" fill="hold">
-                      <p:stCondLst>
-                        <p:cond delay="indefinite"/>
-                      </p:stCondLst>
-                      <p:childTnLst>
-                        <p:par>
-                          <p:cTn id="22" fill="hold">
-                            <p:stCondLst>
-                              <p:cond delay="0"/>
-                            </p:stCondLst>
-                            <p:childTnLst>
-                              <p:par>
-                                <p:cTn id="23" presetID="1" presetClass="entr" presetSubtype="0" fill="hold" grpId="0" nodeType="clickEffect">
-                                  <p:stCondLst>
-                                    <p:cond delay="0"/>
-                                  </p:stCondLst>
-                                  <p:childTnLst>
-                                    <p:set>
-                                      <p:cBhvr>
-                                        <p:cTn id="24" dur="1" fill="hold">
-                                          <p:stCondLst>
-                                            <p:cond delay="0"/>
-                                          </p:stCondLst>
-                                        </p:cTn>
-                                        <p:tgtEl>
-                                          <p:spTgt spid="3">
-                                            <p:txEl>
-                                              <p:pRg st="7" end="7"/>
-                                            </p:txEl>
-                                          </p:spTgt>
-                                        </p:tgtEl>
-                                        <p:attrNameLst>
-                                          <p:attrName>style.visibility</p:attrName>
-                                        </p:attrNameLst>
-                                      </p:cBhvr>
-                                      <p:to>
-                                        <p:strVal val="visible"/>
-                                      </p:to>
-                                    </p:set>
-                                  </p:childTnLst>
-                                </p:cTn>
-                              </p:par>
-                              <p:par>
-                                <p:cTn id="25" presetID="1" presetClass="entr" presetSubtype="0" fill="hold" grpId="0" nodeType="withEffect">
-                                  <p:stCondLst>
-                                    <p:cond delay="0"/>
-                                  </p:stCondLst>
-                                  <p:childTnLst>
-                                    <p:set>
-                                      <p:cBhvr>
-                                        <p:cTn id="26" dur="1" fill="hold">
-                                          <p:stCondLst>
-                                            <p:cond delay="0"/>
-                                          </p:stCondLst>
-                                        </p:cTn>
-                                        <p:tgtEl>
-                                          <p:spTgt spid="3">
-                                            <p:txEl>
-                                              <p:pRg st="8" end="8"/>
-                                            </p:txEl>
-                                          </p:spTgt>
-                                        </p:tgtEl>
-                                        <p:attrNameLst>
-                                          <p:attrName>style.visibility</p:attrName>
-                                        </p:attrNameLst>
-                                      </p:cBhvr>
-                                      <p:to>
-                                        <p:strVal val="visible"/>
-                                      </p:to>
-                                    </p:set>
-                                  </p:childTnLst>
-                                </p:cTn>
-                              </p:par>
-                            </p:childTnLst>
-                          </p:cTn>
-                        </p:par>
-                      </p:childTnLst>
-                    </p:cTn>
-                  </p:par>
-                </p:childTnLst>
-              </p:cTn>
-              <p:prevCondLst>
-                <p:cond evt="onPrev" delay="0">
-                  <p:tgtEl>
-                    <p:sldTgt/>
-                  </p:tgtEl>
-                </p:cond>
-              </p:prevCondLst>
-              <p:nextCondLst>
-                <p:cond evt="onNext" delay="0">
-                  <p:tgtEl>
-                    <p:sldTgt/>
-                  </p:tgtEl>
-                </p:cond>
-              </p:nextCondLst>
-            </p:seq>
-          </p:childTnLst>
-        </p:cTn>
-      </p:par>
-    </p:tnLst>
-    <p:bldLst>
-      <p:bldP spid="3" grpId="0" uiExpand="1" build="p"/>
-    </p:bldLst>
-  </p:timing>
 </p:sld>
 </file>
 
@@ -7944,198 +6621,6 @@
   <p:clrMapOvr>
     <a:masterClrMapping/>
   </p:clrMapOvr>
-  <p:timing>
-    <p:tnLst>
-      <p:par>
-        <p:cTn id="1" dur="indefinite" restart="never" nodeType="tmRoot">
-          <p:childTnLst>
-            <p:seq concurrent="1" nextAc="seek">
-              <p:cTn id="2" dur="indefinite" nodeType="mainSeq">
-                <p:childTnLst>
-                  <p:par>
-                    <p:cTn id="3" fill="hold">
-                      <p:stCondLst>
-                        <p:cond delay="indefinite"/>
-                        <p:cond evt="onBegin" delay="0">
-                          <p:tn val="2"/>
-                        </p:cond>
-                      </p:stCondLst>
-                      <p:childTnLst>
-                        <p:par>
-                          <p:cTn id="4" fill="hold">
-                            <p:stCondLst>
-                              <p:cond delay="0"/>
-                            </p:stCondLst>
-                            <p:childTnLst>
-                              <p:par>
-                                <p:cTn id="5" presetID="1" presetClass="entr" presetSubtype="0" fill="hold" grpId="0" nodeType="withEffect">
-                                  <p:stCondLst>
-                                    <p:cond delay="0"/>
-                                  </p:stCondLst>
-                                  <p:childTnLst>
-                                    <p:set>
-                                      <p:cBhvr>
-                                        <p:cTn id="6" dur="1" fill="hold">
-                                          <p:stCondLst>
-                                            <p:cond delay="0"/>
-                                          </p:stCondLst>
-                                        </p:cTn>
-                                        <p:tgtEl>
-                                          <p:spTgt spid="3">
-                                            <p:txEl>
-                                              <p:pRg st="0" end="0"/>
-                                            </p:txEl>
-                                          </p:spTgt>
-                                        </p:tgtEl>
-                                        <p:attrNameLst>
-                                          <p:attrName>style.visibility</p:attrName>
-                                        </p:attrNameLst>
-                                      </p:cBhvr>
-                                      <p:to>
-                                        <p:strVal val="visible"/>
-                                      </p:to>
-                                    </p:set>
-                                  </p:childTnLst>
-                                </p:cTn>
-                              </p:par>
-                              <p:par>
-                                <p:cTn id="7" presetID="1" presetClass="entr" presetSubtype="0" fill="hold" grpId="0" nodeType="withEffect">
-                                  <p:stCondLst>
-                                    <p:cond delay="0"/>
-                                  </p:stCondLst>
-                                  <p:childTnLst>
-                                    <p:set>
-                                      <p:cBhvr>
-                                        <p:cTn id="8" dur="1" fill="hold">
-                                          <p:stCondLst>
-                                            <p:cond delay="0"/>
-                                          </p:stCondLst>
-                                        </p:cTn>
-                                        <p:tgtEl>
-                                          <p:spTgt spid="3">
-                                            <p:txEl>
-                                              <p:pRg st="1" end="1"/>
-                                            </p:txEl>
-                                          </p:spTgt>
-                                        </p:tgtEl>
-                                        <p:attrNameLst>
-                                          <p:attrName>style.visibility</p:attrName>
-                                        </p:attrNameLst>
-                                      </p:cBhvr>
-                                      <p:to>
-                                        <p:strVal val="visible"/>
-                                      </p:to>
-                                    </p:set>
-                                  </p:childTnLst>
-                                </p:cTn>
-                              </p:par>
-                              <p:par>
-                                <p:cTn id="9" presetID="1" presetClass="entr" presetSubtype="0" fill="hold" nodeType="withEffect">
-                                  <p:stCondLst>
-                                    <p:cond delay="0"/>
-                                  </p:stCondLst>
-                                  <p:childTnLst>
-                                    <p:set>
-                                      <p:cBhvr>
-                                        <p:cTn id="10" dur="1" fill="hold">
-                                          <p:stCondLst>
-                                            <p:cond delay="0"/>
-                                          </p:stCondLst>
-                                        </p:cTn>
-                                        <p:tgtEl>
-                                          <p:spTgt spid="6"/>
-                                        </p:tgtEl>
-                                        <p:attrNameLst>
-                                          <p:attrName>style.visibility</p:attrName>
-                                        </p:attrNameLst>
-                                      </p:cBhvr>
-                                      <p:to>
-                                        <p:strVal val="visible"/>
-                                      </p:to>
-                                    </p:set>
-                                  </p:childTnLst>
-                                </p:cTn>
-                              </p:par>
-                            </p:childTnLst>
-                          </p:cTn>
-                        </p:par>
-                      </p:childTnLst>
-                    </p:cTn>
-                  </p:par>
-                  <p:par>
-                    <p:cTn id="11" fill="hold">
-                      <p:stCondLst>
-                        <p:cond delay="indefinite"/>
-                      </p:stCondLst>
-                      <p:childTnLst>
-                        <p:par>
-                          <p:cTn id="12" fill="hold">
-                            <p:stCondLst>
-                              <p:cond delay="0"/>
-                            </p:stCondLst>
-                            <p:childTnLst>
-                              <p:par>
-                                <p:cTn id="13" presetID="1" presetClass="entr" presetSubtype="0" fill="hold" grpId="0" nodeType="clickEffect">
-                                  <p:stCondLst>
-                                    <p:cond delay="0"/>
-                                  </p:stCondLst>
-                                  <p:childTnLst>
-                                    <p:set>
-                                      <p:cBhvr>
-                                        <p:cTn id="14" dur="1" fill="hold">
-                                          <p:stCondLst>
-                                            <p:cond delay="0"/>
-                                          </p:stCondLst>
-                                        </p:cTn>
-                                        <p:tgtEl>
-                                          <p:spTgt spid="3">
-                                            <p:txEl>
-                                              <p:pRg st="2" end="2"/>
-                                            </p:txEl>
-                                          </p:spTgt>
-                                        </p:tgtEl>
-                                        <p:attrNameLst>
-                                          <p:attrName>style.visibility</p:attrName>
-                                        </p:attrNameLst>
-                                      </p:cBhvr>
-                                      <p:to>
-                                        <p:strVal val="visible"/>
-                                      </p:to>
-                                    </p:set>
-                                  </p:childTnLst>
-                                </p:cTn>
-                              </p:par>
-                            </p:childTnLst>
-                          </p:cTn>
-                        </p:par>
-                      </p:childTnLst>
-                    </p:cTn>
-                  </p:par>
-                </p:childTnLst>
-              </p:cTn>
-              <p:prevCondLst>
-                <p:cond evt="onPrev" delay="0">
-                  <p:tgtEl>
-                    <p:sldTgt/>
-                  </p:tgtEl>
-                </p:cond>
-              </p:prevCondLst>
-              <p:nextCondLst>
-                <p:cond evt="onNext" delay="0">
-                  <p:tgtEl>
-                    <p:sldTgt/>
-                  </p:tgtEl>
-                </p:cond>
-              </p:nextCondLst>
-            </p:seq>
-          </p:childTnLst>
-        </p:cTn>
-      </p:par>
-    </p:tnLst>
-    <p:bldLst>
-      <p:bldP spid="3" grpId="0" uiExpand="1" build="p"/>
-    </p:bldLst>
-  </p:timing>
 </p:sld>
 </file>
 
@@ -8348,211 +6833,6 @@
   <p:clrMapOvr>
     <a:masterClrMapping/>
   </p:clrMapOvr>
-  <p:timing>
-    <p:tnLst>
-      <p:par>
-        <p:cTn id="1" dur="indefinite" restart="never" nodeType="tmRoot">
-          <p:childTnLst>
-            <p:seq concurrent="1" nextAc="seek">
-              <p:cTn id="2" dur="indefinite" nodeType="mainSeq">
-                <p:childTnLst>
-                  <p:par>
-                    <p:cTn id="3" fill="hold">
-                      <p:stCondLst>
-                        <p:cond delay="indefinite"/>
-                        <p:cond evt="onBegin" delay="0">
-                          <p:tn val="2"/>
-                        </p:cond>
-                      </p:stCondLst>
-                      <p:childTnLst>
-                        <p:par>
-                          <p:cTn id="4" fill="hold">
-                            <p:stCondLst>
-                              <p:cond delay="0"/>
-                            </p:stCondLst>
-                            <p:childTnLst>
-                              <p:par>
-                                <p:cTn id="5" presetID="1" presetClass="entr" presetSubtype="0" fill="hold" grpId="0" nodeType="withEffect">
-                                  <p:stCondLst>
-                                    <p:cond delay="0"/>
-                                  </p:stCondLst>
-                                  <p:childTnLst>
-                                    <p:set>
-                                      <p:cBhvr>
-                                        <p:cTn id="6" dur="1" fill="hold">
-                                          <p:stCondLst>
-                                            <p:cond delay="0"/>
-                                          </p:stCondLst>
-                                        </p:cTn>
-                                        <p:tgtEl>
-                                          <p:spTgt spid="3">
-                                            <p:txEl>
-                                              <p:pRg st="0" end="0"/>
-                                            </p:txEl>
-                                          </p:spTgt>
-                                        </p:tgtEl>
-                                        <p:attrNameLst>
-                                          <p:attrName>style.visibility</p:attrName>
-                                        </p:attrNameLst>
-                                      </p:cBhvr>
-                                      <p:to>
-                                        <p:strVal val="visible"/>
-                                      </p:to>
-                                    </p:set>
-                                  </p:childTnLst>
-                                </p:cTn>
-                              </p:par>
-                              <p:par>
-                                <p:cTn id="7" presetID="1" presetClass="entr" presetSubtype="0" fill="hold" grpId="0" nodeType="withEffect">
-                                  <p:stCondLst>
-                                    <p:cond delay="0"/>
-                                  </p:stCondLst>
-                                  <p:childTnLst>
-                                    <p:set>
-                                      <p:cBhvr>
-                                        <p:cTn id="8" dur="1" fill="hold">
-                                          <p:stCondLst>
-                                            <p:cond delay="0"/>
-                                          </p:stCondLst>
-                                        </p:cTn>
-                                        <p:tgtEl>
-                                          <p:spTgt spid="3">
-                                            <p:txEl>
-                                              <p:pRg st="1" end="1"/>
-                                            </p:txEl>
-                                          </p:spTgt>
-                                        </p:tgtEl>
-                                        <p:attrNameLst>
-                                          <p:attrName>style.visibility</p:attrName>
-                                        </p:attrNameLst>
-                                      </p:cBhvr>
-                                      <p:to>
-                                        <p:strVal val="visible"/>
-                                      </p:to>
-                                    </p:set>
-                                  </p:childTnLst>
-                                </p:cTn>
-                              </p:par>
-                              <p:par>
-                                <p:cTn id="9" presetID="1" presetClass="entr" presetSubtype="0" fill="hold" grpId="0" nodeType="withEffect">
-                                  <p:stCondLst>
-                                    <p:cond delay="0"/>
-                                  </p:stCondLst>
-                                  <p:childTnLst>
-                                    <p:set>
-                                      <p:cBhvr>
-                                        <p:cTn id="10" dur="1" fill="hold">
-                                          <p:stCondLst>
-                                            <p:cond delay="0"/>
-                                          </p:stCondLst>
-                                        </p:cTn>
-                                        <p:tgtEl>
-                                          <p:spTgt spid="3">
-                                            <p:txEl>
-                                              <p:pRg st="2" end="2"/>
-                                            </p:txEl>
-                                          </p:spTgt>
-                                        </p:tgtEl>
-                                        <p:attrNameLst>
-                                          <p:attrName>style.visibility</p:attrName>
-                                        </p:attrNameLst>
-                                      </p:cBhvr>
-                                      <p:to>
-                                        <p:strVal val="visible"/>
-                                      </p:to>
-                                    </p:set>
-                                  </p:childTnLst>
-                                </p:cTn>
-                              </p:par>
-                              <p:par>
-                                <p:cTn id="11" presetID="1" presetClass="entr" presetSubtype="0" fill="hold" grpId="0" nodeType="withEffect">
-                                  <p:stCondLst>
-                                    <p:cond delay="0"/>
-                                  </p:stCondLst>
-                                  <p:childTnLst>
-                                    <p:set>
-                                      <p:cBhvr>
-                                        <p:cTn id="12" dur="1" fill="hold">
-                                          <p:stCondLst>
-                                            <p:cond delay="0"/>
-                                          </p:stCondLst>
-                                        </p:cTn>
-                                        <p:tgtEl>
-                                          <p:spTgt spid="3">
-                                            <p:txEl>
-                                              <p:pRg st="3" end="3"/>
-                                            </p:txEl>
-                                          </p:spTgt>
-                                        </p:tgtEl>
-                                        <p:attrNameLst>
-                                          <p:attrName>style.visibility</p:attrName>
-                                        </p:attrNameLst>
-                                      </p:cBhvr>
-                                      <p:to>
-                                        <p:strVal val="visible"/>
-                                      </p:to>
-                                    </p:set>
-                                  </p:childTnLst>
-                                </p:cTn>
-                              </p:par>
-                              <p:par>
-                                <p:cTn id="13" presetID="1" presetClass="entr" presetSubtype="0" fill="hold" nodeType="withEffect">
-                                  <p:stCondLst>
-                                    <p:cond delay="0"/>
-                                  </p:stCondLst>
-                                  <p:childTnLst>
-                                    <p:set>
-                                      <p:cBhvr>
-                                        <p:cTn id="14" dur="1" fill="hold">
-                                          <p:stCondLst>
-                                            <p:cond delay="0"/>
-                                          </p:stCondLst>
-                                        </p:cTn>
-                                        <p:tgtEl>
-                                          <p:spTgt spid="6"/>
-                                        </p:tgtEl>
-                                        <p:attrNameLst>
-                                          <p:attrName>style.visibility</p:attrName>
-                                        </p:attrNameLst>
-                                      </p:cBhvr>
-                                      <p:to>
-                                        <p:strVal val="visible"/>
-                                      </p:to>
-                                    </p:set>
-                                  </p:childTnLst>
-                                </p:cTn>
-                              </p:par>
-                            </p:childTnLst>
-                          </p:cTn>
-                        </p:par>
-                      </p:childTnLst>
-                    </p:cTn>
-                  </p:par>
-                </p:childTnLst>
-              </p:cTn>
-              <p:prevCondLst>
-                <p:cond evt="onPrev" delay="0">
-                  <p:tgtEl>
-                    <p:sldTgt/>
-                  </p:tgtEl>
-                </p:cond>
-              </p:prevCondLst>
-              <p:nextCondLst>
-                <p:cond evt="onNext" delay="0">
-                  <p:tgtEl>
-                    <p:sldTgt/>
-                  </p:tgtEl>
-                </p:cond>
-              </p:nextCondLst>
-            </p:seq>
-          </p:childTnLst>
-        </p:cTn>
-      </p:par>
-    </p:tnLst>
-    <p:bldLst>
-      <p:bldP spid="3" grpId="0" uiExpand="1" build="p"/>
-    </p:bldLst>
-  </p:timing>
 </p:sld>
 </file>
 
@@ -8769,225 +7049,6 @@
   <p:clrMapOvr>
     <a:masterClrMapping/>
   </p:clrMapOvr>
-  <p:timing>
-    <p:tnLst>
-      <p:par>
-        <p:cTn id="1" dur="indefinite" restart="never" nodeType="tmRoot">
-          <p:childTnLst>
-            <p:seq concurrent="1" nextAc="seek">
-              <p:cTn id="2" dur="indefinite" nodeType="mainSeq">
-                <p:childTnLst>
-                  <p:par>
-                    <p:cTn id="3" fill="hold">
-                      <p:stCondLst>
-                        <p:cond delay="indefinite"/>
-                        <p:cond evt="onBegin" delay="0">
-                          <p:tn val="2"/>
-                        </p:cond>
-                      </p:stCondLst>
-                      <p:childTnLst>
-                        <p:par>
-                          <p:cTn id="4" fill="hold">
-                            <p:stCondLst>
-                              <p:cond delay="0"/>
-                            </p:stCondLst>
-                            <p:childTnLst>
-                              <p:par>
-                                <p:cTn id="5" presetID="1" presetClass="entr" presetSubtype="0" fill="hold" grpId="0" nodeType="withEffect">
-                                  <p:stCondLst>
-                                    <p:cond delay="0"/>
-                                  </p:stCondLst>
-                                  <p:childTnLst>
-                                    <p:set>
-                                      <p:cBhvr>
-                                        <p:cTn id="6" dur="1" fill="hold">
-                                          <p:stCondLst>
-                                            <p:cond delay="0"/>
-                                          </p:stCondLst>
-                                        </p:cTn>
-                                        <p:tgtEl>
-                                          <p:spTgt spid="3">
-                                            <p:txEl>
-                                              <p:pRg st="0" end="0"/>
-                                            </p:txEl>
-                                          </p:spTgt>
-                                        </p:tgtEl>
-                                        <p:attrNameLst>
-                                          <p:attrName>style.visibility</p:attrName>
-                                        </p:attrNameLst>
-                                      </p:cBhvr>
-                                      <p:to>
-                                        <p:strVal val="visible"/>
-                                      </p:to>
-                                    </p:set>
-                                  </p:childTnLst>
-                                </p:cTn>
-                              </p:par>
-                              <p:par>
-                                <p:cTn id="7" presetID="1" presetClass="entr" presetSubtype="0" fill="hold" grpId="0" nodeType="withEffect">
-                                  <p:stCondLst>
-                                    <p:cond delay="0"/>
-                                  </p:stCondLst>
-                                  <p:childTnLst>
-                                    <p:set>
-                                      <p:cBhvr>
-                                        <p:cTn id="8" dur="1" fill="hold">
-                                          <p:stCondLst>
-                                            <p:cond delay="0"/>
-                                          </p:stCondLst>
-                                        </p:cTn>
-                                        <p:tgtEl>
-                                          <p:spTgt spid="3">
-                                            <p:txEl>
-                                              <p:pRg st="1" end="1"/>
-                                            </p:txEl>
-                                          </p:spTgt>
-                                        </p:tgtEl>
-                                        <p:attrNameLst>
-                                          <p:attrName>style.visibility</p:attrName>
-                                        </p:attrNameLst>
-                                      </p:cBhvr>
-                                      <p:to>
-                                        <p:strVal val="visible"/>
-                                      </p:to>
-                                    </p:set>
-                                  </p:childTnLst>
-                                </p:cTn>
-                              </p:par>
-                              <p:par>
-                                <p:cTn id="9" presetID="1" presetClass="entr" presetSubtype="0" fill="hold" nodeType="withEffect">
-                                  <p:stCondLst>
-                                    <p:cond delay="0"/>
-                                  </p:stCondLst>
-                                  <p:childTnLst>
-                                    <p:set>
-                                      <p:cBhvr>
-                                        <p:cTn id="10" dur="1" fill="hold">
-                                          <p:stCondLst>
-                                            <p:cond delay="0"/>
-                                          </p:stCondLst>
-                                        </p:cTn>
-                                        <p:tgtEl>
-                                          <p:spTgt spid="5"/>
-                                        </p:tgtEl>
-                                        <p:attrNameLst>
-                                          <p:attrName>style.visibility</p:attrName>
-                                        </p:attrNameLst>
-                                      </p:cBhvr>
-                                      <p:to>
-                                        <p:strVal val="visible"/>
-                                      </p:to>
-                                    </p:set>
-                                  </p:childTnLst>
-                                </p:cTn>
-                              </p:par>
-                              <p:par>
-                                <p:cTn id="11" presetID="1" presetClass="entr" presetSubtype="0" fill="hold" nodeType="withEffect">
-                                  <p:stCondLst>
-                                    <p:cond delay="0"/>
-                                  </p:stCondLst>
-                                  <p:childTnLst>
-                                    <p:set>
-                                      <p:cBhvr>
-                                        <p:cTn id="12" dur="1" fill="hold">
-                                          <p:stCondLst>
-                                            <p:cond delay="0"/>
-                                          </p:stCondLst>
-                                        </p:cTn>
-                                        <p:tgtEl>
-                                          <p:spTgt spid="7"/>
-                                        </p:tgtEl>
-                                        <p:attrNameLst>
-                                          <p:attrName>style.visibility</p:attrName>
-                                        </p:attrNameLst>
-                                      </p:cBhvr>
-                                      <p:to>
-                                        <p:strVal val="visible"/>
-                                      </p:to>
-                                    </p:set>
-                                  </p:childTnLst>
-                                </p:cTn>
-                              </p:par>
-                            </p:childTnLst>
-                          </p:cTn>
-                        </p:par>
-                      </p:childTnLst>
-                    </p:cTn>
-                  </p:par>
-                  <p:par>
-                    <p:cTn id="13" fill="hold">
-                      <p:stCondLst>
-                        <p:cond delay="indefinite"/>
-                      </p:stCondLst>
-                      <p:childTnLst>
-                        <p:par>
-                          <p:cTn id="14" fill="hold">
-                            <p:stCondLst>
-                              <p:cond delay="0"/>
-                            </p:stCondLst>
-                            <p:childTnLst>
-                              <p:par>
-                                <p:cTn id="15" presetID="1" presetClass="entr" presetSubtype="0" fill="hold" grpId="0" nodeType="clickEffect">
-                                  <p:stCondLst>
-                                    <p:cond delay="0"/>
-                                  </p:stCondLst>
-                                  <p:childTnLst>
-                                    <p:set>
-                                      <p:cBhvr>
-                                        <p:cTn id="16" dur="1" fill="hold">
-                                          <p:stCondLst>
-                                            <p:cond delay="0"/>
-                                          </p:stCondLst>
-                                        </p:cTn>
-                                        <p:tgtEl>
-                                          <p:spTgt spid="3">
-                                            <p:txEl>
-                                              <p:pRg st="2" end="2"/>
-                                            </p:txEl>
-                                          </p:spTgt>
-                                        </p:tgtEl>
-                                        <p:attrNameLst>
-                                          <p:attrName>style.visibility</p:attrName>
-                                        </p:attrNameLst>
-                                      </p:cBhvr>
-                                      <p:to>
-                                        <p:strVal val="visible"/>
-                                      </p:to>
-                                    </p:set>
-                                  </p:childTnLst>
-                                </p:cTn>
-                              </p:par>
-                            </p:childTnLst>
-                          </p:cTn>
-                        </p:par>
-                      </p:childTnLst>
-                    </p:cTn>
-                  </p:par>
-                </p:childTnLst>
-              </p:cTn>
-              <p:prevCondLst>
-                <p:cond evt="onPrev" delay="0">
-                  <p:tgtEl>
-                    <p:sldTgt/>
-                  </p:tgtEl>
-                </p:cond>
-              </p:prevCondLst>
-              <p:nextCondLst>
-                <p:cond evt="onNext" delay="0">
-                  <p:tgtEl>
-                    <p:sldTgt/>
-                  </p:tgtEl>
-                </p:cond>
-              </p:nextCondLst>
-            </p:seq>
-          </p:childTnLst>
-        </p:cTn>
-      </p:par>
-    </p:tnLst>
-    <p:bldLst>
-      <p:bldP spid="3" grpId="0" uiExpand="1" build="p"/>
-    </p:bldLst>
-  </p:timing>
 </p:sld>
 </file>
 
@@ -9728,372 +7789,6 @@
   <p:clrMapOvr>
     <a:masterClrMapping/>
   </p:clrMapOvr>
-  <p:timing>
-    <p:tnLst>
-      <p:par>
-        <p:cTn id="1" dur="indefinite" restart="never" nodeType="tmRoot">
-          <p:childTnLst>
-            <p:seq concurrent="1" nextAc="seek">
-              <p:cTn id="2" dur="indefinite" nodeType="mainSeq">
-                <p:childTnLst>
-                  <p:par>
-                    <p:cTn id="3" fill="hold">
-                      <p:stCondLst>
-                        <p:cond delay="indefinite"/>
-                        <p:cond evt="onBegin" delay="0">
-                          <p:tn val="2"/>
-                        </p:cond>
-                      </p:stCondLst>
-                      <p:childTnLst>
-                        <p:par>
-                          <p:cTn id="4" fill="hold">
-                            <p:stCondLst>
-                              <p:cond delay="0"/>
-                            </p:stCondLst>
-                            <p:childTnLst>
-                              <p:par>
-                                <p:cTn id="5" presetID="1" presetClass="entr" presetSubtype="0" fill="hold" grpId="0" nodeType="withEffect">
-                                  <p:stCondLst>
-                                    <p:cond delay="0"/>
-                                  </p:stCondLst>
-                                  <p:childTnLst>
-                                    <p:set>
-                                      <p:cBhvr>
-                                        <p:cTn id="6" dur="1" fill="hold">
-                                          <p:stCondLst>
-                                            <p:cond delay="0"/>
-                                          </p:stCondLst>
-                                        </p:cTn>
-                                        <p:tgtEl>
-                                          <p:spTgt spid="3">
-                                            <p:txEl>
-                                              <p:pRg st="0" end="0"/>
-                                            </p:txEl>
-                                          </p:spTgt>
-                                        </p:tgtEl>
-                                        <p:attrNameLst>
-                                          <p:attrName>style.visibility</p:attrName>
-                                        </p:attrNameLst>
-                                      </p:cBhvr>
-                                      <p:to>
-                                        <p:strVal val="visible"/>
-                                      </p:to>
-                                    </p:set>
-                                  </p:childTnLst>
-                                </p:cTn>
-                              </p:par>
-                              <p:par>
-                                <p:cTn id="7" presetID="1" presetClass="entr" presetSubtype="0" fill="hold" grpId="0" nodeType="withEffect">
-                                  <p:stCondLst>
-                                    <p:cond delay="0"/>
-                                  </p:stCondLst>
-                                  <p:childTnLst>
-                                    <p:set>
-                                      <p:cBhvr>
-                                        <p:cTn id="8" dur="1" fill="hold">
-                                          <p:stCondLst>
-                                            <p:cond delay="0"/>
-                                          </p:stCondLst>
-                                        </p:cTn>
-                                        <p:tgtEl>
-                                          <p:spTgt spid="3">
-                                            <p:txEl>
-                                              <p:pRg st="1" end="1"/>
-                                            </p:txEl>
-                                          </p:spTgt>
-                                        </p:tgtEl>
-                                        <p:attrNameLst>
-                                          <p:attrName>style.visibility</p:attrName>
-                                        </p:attrNameLst>
-                                      </p:cBhvr>
-                                      <p:to>
-                                        <p:strVal val="visible"/>
-                                      </p:to>
-                                    </p:set>
-                                  </p:childTnLst>
-                                </p:cTn>
-                              </p:par>
-                              <p:par>
-                                <p:cTn id="9" presetID="1" presetClass="entr" presetSubtype="0" fill="hold" nodeType="withEffect">
-                                  <p:stCondLst>
-                                    <p:cond delay="0"/>
-                                  </p:stCondLst>
-                                  <p:childTnLst>
-                                    <p:set>
-                                      <p:cBhvr>
-                                        <p:cTn id="10" dur="1" fill="hold">
-                                          <p:stCondLst>
-                                            <p:cond delay="0"/>
-                                          </p:stCondLst>
-                                        </p:cTn>
-                                        <p:tgtEl>
-                                          <p:spTgt spid="5"/>
-                                        </p:tgtEl>
-                                        <p:attrNameLst>
-                                          <p:attrName>style.visibility</p:attrName>
-                                        </p:attrNameLst>
-                                      </p:cBhvr>
-                                      <p:to>
-                                        <p:strVal val="visible"/>
-                                      </p:to>
-                                    </p:set>
-                                  </p:childTnLst>
-                                </p:cTn>
-                              </p:par>
-                            </p:childTnLst>
-                          </p:cTn>
-                        </p:par>
-                      </p:childTnLst>
-                    </p:cTn>
-                  </p:par>
-                  <p:par>
-                    <p:cTn id="11" fill="hold">
-                      <p:stCondLst>
-                        <p:cond delay="indefinite"/>
-                      </p:stCondLst>
-                      <p:childTnLst>
-                        <p:par>
-                          <p:cTn id="12" fill="hold">
-                            <p:stCondLst>
-                              <p:cond delay="0"/>
-                            </p:stCondLst>
-                            <p:childTnLst>
-                              <p:par>
-                                <p:cTn id="13" presetID="1" presetClass="entr" presetSubtype="0" fill="hold" grpId="0" nodeType="clickEffect">
-                                  <p:stCondLst>
-                                    <p:cond delay="0"/>
-                                  </p:stCondLst>
-                                  <p:childTnLst>
-                                    <p:set>
-                                      <p:cBhvr>
-                                        <p:cTn id="14" dur="1" fill="hold">
-                                          <p:stCondLst>
-                                            <p:cond delay="0"/>
-                                          </p:stCondLst>
-                                        </p:cTn>
-                                        <p:tgtEl>
-                                          <p:spTgt spid="3">
-                                            <p:txEl>
-                                              <p:pRg st="2" end="2"/>
-                                            </p:txEl>
-                                          </p:spTgt>
-                                        </p:tgtEl>
-                                        <p:attrNameLst>
-                                          <p:attrName>style.visibility</p:attrName>
-                                        </p:attrNameLst>
-                                      </p:cBhvr>
-                                      <p:to>
-                                        <p:strVal val="visible"/>
-                                      </p:to>
-                                    </p:set>
-                                  </p:childTnLst>
-                                </p:cTn>
-                              </p:par>
-                            </p:childTnLst>
-                          </p:cTn>
-                        </p:par>
-                      </p:childTnLst>
-                    </p:cTn>
-                  </p:par>
-                  <p:par>
-                    <p:cTn id="15" fill="hold">
-                      <p:stCondLst>
-                        <p:cond delay="indefinite"/>
-                      </p:stCondLst>
-                      <p:childTnLst>
-                        <p:par>
-                          <p:cTn id="16" fill="hold">
-                            <p:stCondLst>
-                              <p:cond delay="0"/>
-                            </p:stCondLst>
-                            <p:childTnLst>
-                              <p:par>
-                                <p:cTn id="17" presetID="1" presetClass="entr" presetSubtype="0" fill="hold" grpId="0" nodeType="clickEffect">
-                                  <p:stCondLst>
-                                    <p:cond delay="0"/>
-                                  </p:stCondLst>
-                                  <p:childTnLst>
-                                    <p:set>
-                                      <p:cBhvr>
-                                        <p:cTn id="18" dur="1" fill="hold">
-                                          <p:stCondLst>
-                                            <p:cond delay="0"/>
-                                          </p:stCondLst>
-                                        </p:cTn>
-                                        <p:tgtEl>
-                                          <p:spTgt spid="3">
-                                            <p:txEl>
-                                              <p:pRg st="3" end="3"/>
-                                            </p:txEl>
-                                          </p:spTgt>
-                                        </p:tgtEl>
-                                        <p:attrNameLst>
-                                          <p:attrName>style.visibility</p:attrName>
-                                        </p:attrNameLst>
-                                      </p:cBhvr>
-                                      <p:to>
-                                        <p:strVal val="visible"/>
-                                      </p:to>
-                                    </p:set>
-                                  </p:childTnLst>
-                                </p:cTn>
-                              </p:par>
-                            </p:childTnLst>
-                          </p:cTn>
-                        </p:par>
-                      </p:childTnLst>
-                    </p:cTn>
-                  </p:par>
-                  <p:par>
-                    <p:cTn id="19" fill="hold">
-                      <p:stCondLst>
-                        <p:cond delay="indefinite"/>
-                      </p:stCondLst>
-                      <p:childTnLst>
-                        <p:par>
-                          <p:cTn id="20" fill="hold">
-                            <p:stCondLst>
-                              <p:cond delay="0"/>
-                            </p:stCondLst>
-                            <p:childTnLst>
-                              <p:par>
-                                <p:cTn id="21" presetID="1" presetClass="entr" presetSubtype="0" fill="hold" grpId="0" nodeType="clickEffect">
-                                  <p:stCondLst>
-                                    <p:cond delay="0"/>
-                                  </p:stCondLst>
-                                  <p:childTnLst>
-                                    <p:set>
-                                      <p:cBhvr>
-                                        <p:cTn id="22" dur="1" fill="hold">
-                                          <p:stCondLst>
-                                            <p:cond delay="0"/>
-                                          </p:stCondLst>
-                                        </p:cTn>
-                                        <p:tgtEl>
-                                          <p:spTgt spid="3">
-                                            <p:txEl>
-                                              <p:pRg st="4" end="4"/>
-                                            </p:txEl>
-                                          </p:spTgt>
-                                        </p:tgtEl>
-                                        <p:attrNameLst>
-                                          <p:attrName>style.visibility</p:attrName>
-                                        </p:attrNameLst>
-                                      </p:cBhvr>
-                                      <p:to>
-                                        <p:strVal val="visible"/>
-                                      </p:to>
-                                    </p:set>
-                                  </p:childTnLst>
-                                </p:cTn>
-                              </p:par>
-                            </p:childTnLst>
-                          </p:cTn>
-                        </p:par>
-                      </p:childTnLst>
-                    </p:cTn>
-                  </p:par>
-                  <p:par>
-                    <p:cTn id="23" fill="hold">
-                      <p:stCondLst>
-                        <p:cond delay="indefinite"/>
-                      </p:stCondLst>
-                      <p:childTnLst>
-                        <p:par>
-                          <p:cTn id="24" fill="hold">
-                            <p:stCondLst>
-                              <p:cond delay="0"/>
-                            </p:stCondLst>
-                            <p:childTnLst>
-                              <p:par>
-                                <p:cTn id="25" presetID="1" presetClass="entr" presetSubtype="0" fill="hold" grpId="0" nodeType="clickEffect">
-                                  <p:stCondLst>
-                                    <p:cond delay="0"/>
-                                  </p:stCondLst>
-                                  <p:childTnLst>
-                                    <p:set>
-                                      <p:cBhvr>
-                                        <p:cTn id="26" dur="1" fill="hold">
-                                          <p:stCondLst>
-                                            <p:cond delay="0"/>
-                                          </p:stCondLst>
-                                        </p:cTn>
-                                        <p:tgtEl>
-                                          <p:spTgt spid="3">
-                                            <p:txEl>
-                                              <p:pRg st="5" end="5"/>
-                                            </p:txEl>
-                                          </p:spTgt>
-                                        </p:tgtEl>
-                                        <p:attrNameLst>
-                                          <p:attrName>style.visibility</p:attrName>
-                                        </p:attrNameLst>
-                                      </p:cBhvr>
-                                      <p:to>
-                                        <p:strVal val="visible"/>
-                                      </p:to>
-                                    </p:set>
-                                  </p:childTnLst>
-                                </p:cTn>
-                              </p:par>
-                              <p:par>
-                                <p:cTn id="27" presetID="1" presetClass="entr" presetSubtype="0" fill="hold" nodeType="withEffect">
-                                  <p:stCondLst>
-                                    <p:cond delay="0"/>
-                                  </p:stCondLst>
-                                  <p:childTnLst>
-                                    <p:set>
-                                      <p:cBhvr>
-                                        <p:cTn id="28" dur="1" fill="hold">
-                                          <p:stCondLst>
-                                            <p:cond delay="0"/>
-                                          </p:stCondLst>
-                                        </p:cTn>
-                                        <p:tgtEl>
-                                          <p:spTgt spid="6"/>
-                                        </p:tgtEl>
-                                        <p:attrNameLst>
-                                          <p:attrName>style.visibility</p:attrName>
-                                        </p:attrNameLst>
-                                      </p:cBhvr>
-                                      <p:to>
-                                        <p:strVal val="visible"/>
-                                      </p:to>
-                                    </p:set>
-                                  </p:childTnLst>
-                                </p:cTn>
-                              </p:par>
-                            </p:childTnLst>
-                          </p:cTn>
-                        </p:par>
-                      </p:childTnLst>
-                    </p:cTn>
-                  </p:par>
-                </p:childTnLst>
-              </p:cTn>
-              <p:prevCondLst>
-                <p:cond evt="onPrev" delay="0">
-                  <p:tgtEl>
-                    <p:sldTgt/>
-                  </p:tgtEl>
-                </p:cond>
-              </p:prevCondLst>
-              <p:nextCondLst>
-                <p:cond evt="onNext" delay="0">
-                  <p:tgtEl>
-                    <p:sldTgt/>
-                  </p:tgtEl>
-                </p:cond>
-              </p:nextCondLst>
-            </p:seq>
-          </p:childTnLst>
-        </p:cTn>
-      </p:par>
-    </p:tnLst>
-    <p:bldLst>
-      <p:bldP spid="3" grpId="0" uiExpand="1" build="p"/>
-    </p:bldLst>
-  </p:timing>
 </p:sld>
 </file>
 
@@ -10239,122 +7934,6 @@
   <p:clrMapOvr>
     <a:masterClrMapping/>
   </p:clrMapOvr>
-  <p:timing>
-    <p:tnLst>
-      <p:par>
-        <p:cTn id="1" dur="indefinite" restart="never" nodeType="tmRoot">
-          <p:childTnLst>
-            <p:seq concurrent="1" nextAc="seek">
-              <p:cTn id="2" dur="indefinite" nodeType="mainSeq">
-                <p:childTnLst>
-                  <p:par>
-                    <p:cTn id="3" fill="hold">
-                      <p:stCondLst>
-                        <p:cond delay="indefinite"/>
-                        <p:cond evt="onBegin" delay="0">
-                          <p:tn val="2"/>
-                        </p:cond>
-                      </p:stCondLst>
-                      <p:childTnLst>
-                        <p:par>
-                          <p:cTn id="4" fill="hold">
-                            <p:stCondLst>
-                              <p:cond delay="0"/>
-                            </p:stCondLst>
-                            <p:childTnLst>
-                              <p:par>
-                                <p:cTn id="5" presetID="1" presetClass="entr" presetSubtype="0" fill="hold" grpId="0" nodeType="withEffect">
-                                  <p:stCondLst>
-                                    <p:cond delay="0"/>
-                                  </p:stCondLst>
-                                  <p:childTnLst>
-                                    <p:set>
-                                      <p:cBhvr>
-                                        <p:cTn id="6" dur="1" fill="hold">
-                                          <p:stCondLst>
-                                            <p:cond delay="0"/>
-                                          </p:stCondLst>
-                                        </p:cTn>
-                                        <p:tgtEl>
-                                          <p:spTgt spid="3">
-                                            <p:txEl>
-                                              <p:pRg st="0" end="0"/>
-                                            </p:txEl>
-                                          </p:spTgt>
-                                        </p:tgtEl>
-                                        <p:attrNameLst>
-                                          <p:attrName>style.visibility</p:attrName>
-                                        </p:attrNameLst>
-                                      </p:cBhvr>
-                                      <p:to>
-                                        <p:strVal val="visible"/>
-                                      </p:to>
-                                    </p:set>
-                                  </p:childTnLst>
-                                </p:cTn>
-                              </p:par>
-                              <p:par>
-                                <p:cTn id="7" presetID="1" presetClass="entr" presetSubtype="0" fill="hold" grpId="0" nodeType="withEffect">
-                                  <p:stCondLst>
-                                    <p:cond delay="0"/>
-                                  </p:stCondLst>
-                                  <p:childTnLst>
-                                    <p:set>
-                                      <p:cBhvr>
-                                        <p:cTn id="8" dur="1" fill="hold">
-                                          <p:stCondLst>
-                                            <p:cond delay="0"/>
-                                          </p:stCondLst>
-                                        </p:cTn>
-                                        <p:tgtEl>
-                                          <p:spTgt spid="3">
-                                            <p:txEl>
-                                              <p:pRg st="1" end="1"/>
-                                            </p:txEl>
-                                          </p:spTgt>
-                                        </p:tgtEl>
-                                        <p:attrNameLst>
-                                          <p:attrName>style.visibility</p:attrName>
-                                        </p:attrNameLst>
-                                      </p:cBhvr>
-                                      <p:to>
-                                        <p:strVal val="visible"/>
-                                      </p:to>
-                                    </p:set>
-                                  </p:childTnLst>
-                                </p:cTn>
-                              </p:par>
-                            </p:childTnLst>
-                          </p:cTn>
-                        </p:par>
-                      </p:childTnLst>
-                    </p:cTn>
-                  </p:par>
-                </p:childTnLst>
-              </p:cTn>
-              <p:prevCondLst>
-                <p:cond evt="onPrev" delay="0">
-                  <p:tgtEl>
-                    <p:sldTgt/>
-                  </p:tgtEl>
-                </p:cond>
-              </p:prevCondLst>
-              <p:nextCondLst>
-                <p:cond evt="onNext" delay="0">
-                  <p:tgtEl>
-                    <p:sldTgt/>
-                  </p:tgtEl>
-                </p:cond>
-              </p:nextCondLst>
-            </p:seq>
-          </p:childTnLst>
-        </p:cTn>
-      </p:par>
-    </p:tnLst>
-    <p:bldLst>
-      <p:bldP spid="3" grpId="0" uiExpand="1" build="p"/>
-    </p:bldLst>
-  </p:timing>
 </p:sld>
 </file>
 
@@ -11130,327 +8709,6 @@
   <p:clrMapOvr>
     <a:masterClrMapping/>
   </p:clrMapOvr>
-  <p:timing>
-    <p:tnLst>
-      <p:par>
-        <p:cTn id="1" dur="indefinite" restart="never" nodeType="tmRoot">
-          <p:childTnLst>
-            <p:seq concurrent="1" nextAc="seek">
-              <p:cTn id="2" dur="indefinite" nodeType="mainSeq">
-                <p:childTnLst>
-                  <p:par>
-                    <p:cTn id="3" fill="hold">
-                      <p:stCondLst>
-                        <p:cond delay="indefinite"/>
-                        <p:cond evt="onBegin" delay="0">
-                          <p:tn val="2"/>
-                        </p:cond>
-                      </p:stCondLst>
-                      <p:childTnLst>
-                        <p:par>
-                          <p:cTn id="4" fill="hold">
-                            <p:stCondLst>
-                              <p:cond delay="0"/>
-                            </p:stCondLst>
-                            <p:childTnLst>
-                              <p:par>
-                                <p:cTn id="5" presetID="1" presetClass="entr" presetSubtype="0" fill="hold" grpId="0" nodeType="withEffect">
-                                  <p:stCondLst>
-                                    <p:cond delay="0"/>
-                                  </p:stCondLst>
-                                  <p:childTnLst>
-                                    <p:set>
-                                      <p:cBhvr>
-                                        <p:cTn id="6" dur="1" fill="hold">
-                                          <p:stCondLst>
-                                            <p:cond delay="0"/>
-                                          </p:stCondLst>
-                                        </p:cTn>
-                                        <p:tgtEl>
-                                          <p:spTgt spid="3">
-                                            <p:txEl>
-                                              <p:pRg st="0" end="0"/>
-                                            </p:txEl>
-                                          </p:spTgt>
-                                        </p:tgtEl>
-                                        <p:attrNameLst>
-                                          <p:attrName>style.visibility</p:attrName>
-                                        </p:attrNameLst>
-                                      </p:cBhvr>
-                                      <p:to>
-                                        <p:strVal val="visible"/>
-                                      </p:to>
-                                    </p:set>
-                                  </p:childTnLst>
-                                </p:cTn>
-                              </p:par>
-                              <p:par>
-                                <p:cTn id="7" presetID="1" presetClass="entr" presetSubtype="0" fill="hold" grpId="0" nodeType="withEffect">
-                                  <p:stCondLst>
-                                    <p:cond delay="0"/>
-                                  </p:stCondLst>
-                                  <p:childTnLst>
-                                    <p:set>
-                                      <p:cBhvr>
-                                        <p:cTn id="8" dur="1" fill="hold">
-                                          <p:stCondLst>
-                                            <p:cond delay="0"/>
-                                          </p:stCondLst>
-                                        </p:cTn>
-                                        <p:tgtEl>
-                                          <p:spTgt spid="3">
-                                            <p:txEl>
-                                              <p:pRg st="1" end="1"/>
-                                            </p:txEl>
-                                          </p:spTgt>
-                                        </p:tgtEl>
-                                        <p:attrNameLst>
-                                          <p:attrName>style.visibility</p:attrName>
-                                        </p:attrNameLst>
-                                      </p:cBhvr>
-                                      <p:to>
-                                        <p:strVal val="visible"/>
-                                      </p:to>
-                                    </p:set>
-                                  </p:childTnLst>
-                                </p:cTn>
-                              </p:par>
-                            </p:childTnLst>
-                          </p:cTn>
-                        </p:par>
-                      </p:childTnLst>
-                    </p:cTn>
-                  </p:par>
-                  <p:par>
-                    <p:cTn id="9" fill="hold">
-                      <p:stCondLst>
-                        <p:cond delay="indefinite"/>
-                      </p:stCondLst>
-                      <p:childTnLst>
-                        <p:par>
-                          <p:cTn id="10" fill="hold">
-                            <p:stCondLst>
-                              <p:cond delay="0"/>
-                            </p:stCondLst>
-                            <p:childTnLst>
-                              <p:par>
-                                <p:cTn id="11" presetID="1" presetClass="entr" presetSubtype="0" fill="hold" grpId="0" nodeType="clickEffect">
-                                  <p:stCondLst>
-                                    <p:cond delay="0"/>
-                                  </p:stCondLst>
-                                  <p:childTnLst>
-                                    <p:set>
-                                      <p:cBhvr>
-                                        <p:cTn id="12" dur="1" fill="hold">
-                                          <p:stCondLst>
-                                            <p:cond delay="0"/>
-                                          </p:stCondLst>
-                                        </p:cTn>
-                                        <p:tgtEl>
-                                          <p:spTgt spid="3">
-                                            <p:txEl>
-                                              <p:pRg st="2" end="2"/>
-                                            </p:txEl>
-                                          </p:spTgt>
-                                        </p:tgtEl>
-                                        <p:attrNameLst>
-                                          <p:attrName>style.visibility</p:attrName>
-                                        </p:attrNameLst>
-                                      </p:cBhvr>
-                                      <p:to>
-                                        <p:strVal val="visible"/>
-                                      </p:to>
-                                    </p:set>
-                                  </p:childTnLst>
-                                </p:cTn>
-                              </p:par>
-                              <p:par>
-                                <p:cTn id="13" presetID="1" presetClass="entr" presetSubtype="0" fill="hold" nodeType="withEffect">
-                                  <p:stCondLst>
-                                    <p:cond delay="0"/>
-                                  </p:stCondLst>
-                                  <p:childTnLst>
-                                    <p:set>
-                                      <p:cBhvr>
-                                        <p:cTn id="14" dur="1" fill="hold">
-                                          <p:stCondLst>
-                                            <p:cond delay="0"/>
-                                          </p:stCondLst>
-                                        </p:cTn>
-                                        <p:tgtEl>
-                                          <p:spTgt spid="7"/>
-                                        </p:tgtEl>
-                                        <p:attrNameLst>
-                                          <p:attrName>style.visibility</p:attrName>
-                                        </p:attrNameLst>
-                                      </p:cBhvr>
-                                      <p:to>
-                                        <p:strVal val="visible"/>
-                                      </p:to>
-                                    </p:set>
-                                  </p:childTnLst>
-                                </p:cTn>
-                              </p:par>
-                            </p:childTnLst>
-                          </p:cTn>
-                        </p:par>
-                      </p:childTnLst>
-                    </p:cTn>
-                  </p:par>
-                  <p:par>
-                    <p:cTn id="15" fill="hold">
-                      <p:stCondLst>
-                        <p:cond delay="indefinite"/>
-                      </p:stCondLst>
-                      <p:childTnLst>
-                        <p:par>
-                          <p:cTn id="16" fill="hold">
-                            <p:stCondLst>
-                              <p:cond delay="0"/>
-                            </p:stCondLst>
-                            <p:childTnLst>
-                              <p:par>
-                                <p:cTn id="17" presetID="1" presetClass="entr" presetSubtype="0" fill="hold" grpId="0" nodeType="clickEffect">
-                                  <p:stCondLst>
-                                    <p:cond delay="0"/>
-                                  </p:stCondLst>
-                                  <p:childTnLst>
-                                    <p:set>
-                                      <p:cBhvr>
-                                        <p:cTn id="18" dur="1" fill="hold">
-                                          <p:stCondLst>
-                                            <p:cond delay="0"/>
-                                          </p:stCondLst>
-                                        </p:cTn>
-                                        <p:tgtEl>
-                                          <p:spTgt spid="3">
-                                            <p:txEl>
-                                              <p:pRg st="3" end="3"/>
-                                            </p:txEl>
-                                          </p:spTgt>
-                                        </p:tgtEl>
-                                        <p:attrNameLst>
-                                          <p:attrName>style.visibility</p:attrName>
-                                        </p:attrNameLst>
-                                      </p:cBhvr>
-                                      <p:to>
-                                        <p:strVal val="visible"/>
-                                      </p:to>
-                                    </p:set>
-                                  </p:childTnLst>
-                                </p:cTn>
-                              </p:par>
-                              <p:par>
-                                <p:cTn id="19" presetID="1" presetClass="entr" presetSubtype="0" fill="hold" grpId="0" nodeType="withEffect">
-                                  <p:stCondLst>
-                                    <p:cond delay="0"/>
-                                  </p:stCondLst>
-                                  <p:childTnLst>
-                                    <p:set>
-                                      <p:cBhvr>
-                                        <p:cTn id="20" dur="1" fill="hold">
-                                          <p:stCondLst>
-                                            <p:cond delay="0"/>
-                                          </p:stCondLst>
-                                        </p:cTn>
-                                        <p:tgtEl>
-                                          <p:spTgt spid="3">
-                                            <p:txEl>
-                                              <p:pRg st="4" end="4"/>
-                                            </p:txEl>
-                                          </p:spTgt>
-                                        </p:tgtEl>
-                                        <p:attrNameLst>
-                                          <p:attrName>style.visibility</p:attrName>
-                                        </p:attrNameLst>
-                                      </p:cBhvr>
-                                      <p:to>
-                                        <p:strVal val="visible"/>
-                                      </p:to>
-                                    </p:set>
-                                  </p:childTnLst>
-                                </p:cTn>
-                              </p:par>
-                            </p:childTnLst>
-                          </p:cTn>
-                        </p:par>
-                      </p:childTnLst>
-                    </p:cTn>
-                  </p:par>
-                  <p:par>
-                    <p:cTn id="21" fill="hold">
-                      <p:stCondLst>
-                        <p:cond delay="indefinite"/>
-                      </p:stCondLst>
-                      <p:childTnLst>
-                        <p:par>
-                          <p:cTn id="22" fill="hold">
-                            <p:stCondLst>
-                              <p:cond delay="0"/>
-                            </p:stCondLst>
-                            <p:childTnLst>
-                              <p:par>
-                                <p:cTn id="23" presetID="1" presetClass="entr" presetSubtype="0" fill="hold" grpId="0" nodeType="clickEffect">
-                                  <p:stCondLst>
-                                    <p:cond delay="0"/>
-                                  </p:stCondLst>
-                                  <p:childTnLst>
-                                    <p:set>
-                                      <p:cBhvr>
-                                        <p:cTn id="24" dur="1" fill="hold">
-                                          <p:stCondLst>
-                                            <p:cond delay="0"/>
-                                          </p:stCondLst>
-                                        </p:cTn>
-                                        <p:tgtEl>
-                                          <p:spTgt spid="3">
-                                            <p:txEl>
-                                              <p:pRg st="5" end="5"/>
-                                            </p:txEl>
-                                          </p:spTgt>
-                                        </p:tgtEl>
-                                        <p:attrNameLst>
-                                          <p:attrName>style.visibility</p:attrName>
-                                        </p:attrNameLst>
-                                      </p:cBhvr>
-                                      <p:to>
-                                        <p:strVal val="visible"/>
-                                      </p:to>
-                                    </p:set>
-                                  </p:childTnLst>
-                                </p:cTn>
-                              </p:par>
-                            </p:childTnLst>
-                          </p:cTn>
-                        </p:par>
-                      </p:childTnLst>
-                    </p:cTn>
-                  </p:par>
-                </p:childTnLst>
-              </p:cTn>
-              <p:prevCondLst>
-                <p:cond evt="onPrev" delay="0">
-                  <p:tgtEl>
-                    <p:sldTgt/>
-                  </p:tgtEl>
-                </p:cond>
-              </p:prevCondLst>
-              <p:nextCondLst>
-                <p:cond evt="onNext" delay="0">
-                  <p:tgtEl>
-                    <p:sldTgt/>
-                  </p:tgtEl>
-                </p:cond>
-              </p:nextCondLst>
-            </p:seq>
-          </p:childTnLst>
-        </p:cTn>
-      </p:par>
-    </p:tnLst>
-    <p:bldLst>
-      <p:bldP spid="3" grpId="0" uiExpand="1" build="p"/>
-    </p:bldLst>
-  </p:timing>
 </p:sld>
 </file>
 
@@ -11616,122 +8874,6 @@
   <p:clrMapOvr>
     <a:masterClrMapping/>
   </p:clrMapOvr>
-  <p:timing>
-    <p:tnLst>
-      <p:par>
-        <p:cTn id="1" dur="indefinite" restart="never" nodeType="tmRoot">
-          <p:childTnLst>
-            <p:seq concurrent="1" nextAc="seek">
-              <p:cTn id="2" dur="indefinite" nodeType="mainSeq">
-                <p:childTnLst>
-                  <p:par>
-                    <p:cTn id="3" fill="hold">
-                      <p:stCondLst>
-                        <p:cond delay="indefinite"/>
-                        <p:cond evt="onBegin" delay="0">
-                          <p:tn val="2"/>
-                        </p:cond>
-                      </p:stCondLst>
-                      <p:childTnLst>
-                        <p:par>
-                          <p:cTn id="4" fill="hold">
-                            <p:stCondLst>
-                              <p:cond delay="0"/>
-                            </p:stCondLst>
-                            <p:childTnLst>
-                              <p:par>
-                                <p:cTn id="5" presetID="1" presetClass="entr" presetSubtype="0" fill="hold" grpId="0" nodeType="withEffect">
-                                  <p:stCondLst>
-                                    <p:cond delay="0"/>
-                                  </p:stCondLst>
-                                  <p:childTnLst>
-                                    <p:set>
-                                      <p:cBhvr>
-                                        <p:cTn id="6" dur="1" fill="hold">
-                                          <p:stCondLst>
-                                            <p:cond delay="0"/>
-                                          </p:stCondLst>
-                                        </p:cTn>
-                                        <p:tgtEl>
-                                          <p:spTgt spid="3">
-                                            <p:txEl>
-                                              <p:pRg st="0" end="0"/>
-                                            </p:txEl>
-                                          </p:spTgt>
-                                        </p:tgtEl>
-                                        <p:attrNameLst>
-                                          <p:attrName>style.visibility</p:attrName>
-                                        </p:attrNameLst>
-                                      </p:cBhvr>
-                                      <p:to>
-                                        <p:strVal val="visible"/>
-                                      </p:to>
-                                    </p:set>
-                                  </p:childTnLst>
-                                </p:cTn>
-                              </p:par>
-                              <p:par>
-                                <p:cTn id="7" presetID="1" presetClass="entr" presetSubtype="0" fill="hold" grpId="0" nodeType="withEffect">
-                                  <p:stCondLst>
-                                    <p:cond delay="0"/>
-                                  </p:stCondLst>
-                                  <p:childTnLst>
-                                    <p:set>
-                                      <p:cBhvr>
-                                        <p:cTn id="8" dur="1" fill="hold">
-                                          <p:stCondLst>
-                                            <p:cond delay="0"/>
-                                          </p:stCondLst>
-                                        </p:cTn>
-                                        <p:tgtEl>
-                                          <p:spTgt spid="3">
-                                            <p:txEl>
-                                              <p:pRg st="1" end="1"/>
-                                            </p:txEl>
-                                          </p:spTgt>
-                                        </p:tgtEl>
-                                        <p:attrNameLst>
-                                          <p:attrName>style.visibility</p:attrName>
-                                        </p:attrNameLst>
-                                      </p:cBhvr>
-                                      <p:to>
-                                        <p:strVal val="visible"/>
-                                      </p:to>
-                                    </p:set>
-                                  </p:childTnLst>
-                                </p:cTn>
-                              </p:par>
-                            </p:childTnLst>
-                          </p:cTn>
-                        </p:par>
-                      </p:childTnLst>
-                    </p:cTn>
-                  </p:par>
-                </p:childTnLst>
-              </p:cTn>
-              <p:prevCondLst>
-                <p:cond evt="onPrev" delay="0">
-                  <p:tgtEl>
-                    <p:sldTgt/>
-                  </p:tgtEl>
-                </p:cond>
-              </p:prevCondLst>
-              <p:nextCondLst>
-                <p:cond evt="onNext" delay="0">
-                  <p:tgtEl>
-                    <p:sldTgt/>
-                  </p:tgtEl>
-                </p:cond>
-              </p:nextCondLst>
-            </p:seq>
-          </p:childTnLst>
-        </p:cTn>
-      </p:par>
-    </p:tnLst>
-    <p:bldLst>
-      <p:bldP spid="3" grpId="0" uiExpand="1" build="p"/>
-    </p:bldLst>
-  </p:timing>
 </p:sld>
 </file>
 
